--- a/DaanCorona_1997_HackCovid-19_pitch_deck.pptx
+++ b/DaanCorona_1997_HackCovid-19_pitch_deck.pptx
@@ -2,45 +2,47 @@
 <file path=ppt/presentation.xml><?xml version="1.0" encoding="utf-8"?>
 <p:presentation xmlns:a="http://schemas.openxmlformats.org/drawingml/2006/main" xmlns:r="http://schemas.openxmlformats.org/officeDocument/2006/relationships" xmlns:p="http://schemas.openxmlformats.org/presentationml/2006/main" strictFirstAndLastChars="0" embedTrueTypeFonts="1" saveSubsetFonts="1" autoCompressPictures="0">
   <p:sldMasterIdLst>
-    <p:sldMasterId id="2147483659" r:id="rId1"/>
+    <p:sldMasterId id="2147483648" r:id="rId1"/>
   </p:sldMasterIdLst>
   <p:notesMasterIdLst>
-    <p:notesMasterId r:id="rId13"/>
+    <p:notesMasterId r:id="rId4"/>
   </p:notesMasterIdLst>
   <p:sldIdLst>
-    <p:sldId id="256" r:id="rId2"/>
-    <p:sldId id="257" r:id="rId3"/>
-    <p:sldId id="258" r:id="rId4"/>
-    <p:sldId id="262" r:id="rId5"/>
-    <p:sldId id="259" r:id="rId6"/>
-    <p:sldId id="268" r:id="rId7"/>
-    <p:sldId id="264" r:id="rId8"/>
-    <p:sldId id="267" r:id="rId9"/>
-    <p:sldId id="265" r:id="rId10"/>
-    <p:sldId id="260" r:id="rId11"/>
-    <p:sldId id="261" r:id="rId12"/>
+    <p:sldId id="256" r:id="rId3"/>
+    <p:sldId id="257" r:id="rId5"/>
+    <p:sldId id="258" r:id="rId6"/>
+    <p:sldId id="262" r:id="rId7"/>
+    <p:sldId id="259" r:id="rId8"/>
+    <p:sldId id="268" r:id="rId9"/>
+    <p:sldId id="264" r:id="rId10"/>
+    <p:sldId id="267" r:id="rId11"/>
+    <p:sldId id="265" r:id="rId12"/>
+    <p:sldId id="260" r:id="rId13"/>
+    <p:sldId id="261" r:id="rId14"/>
   </p:sldIdLst>
   <p:sldSz cx="9144000" cy="5143500" type="screen16x9"/>
   <p:notesSz cx="6858000" cy="9144000"/>
   <p:embeddedFontLst>
     <p:embeddedFont>
-      <p:font typeface="Calibri" panose="020F0502020204030204" pitchFamily="34" charset="0"/>
-      <p:regular r:id="rId14"/>
-      <p:bold r:id="rId15"/>
-      <p:italic r:id="rId16"/>
-      <p:boldItalic r:id="rId17"/>
+      <p:font typeface="PT Sans Narrow" panose="020B0506020203020204"/>
+      <p:regular r:id="rId18"/>
     </p:embeddedFont>
     <p:embeddedFont>
-      <p:font typeface="Open Sans" panose="020B0604020202020204" charset="0"/>
-      <p:regular r:id="rId18"/>
-      <p:bold r:id="rId19"/>
-      <p:italic r:id="rId20"/>
-      <p:boldItalic r:id="rId21"/>
+      <p:font typeface="Open Sans" panose="020B0606030504020204"/>
+      <p:italic r:id="rId19"/>
+      <p:boldItalic r:id="rId20"/>
     </p:embeddedFont>
     <p:embeddedFont>
-      <p:font typeface="PT Sans Narrow" panose="020B0604020202020204" charset="0"/>
-      <p:regular r:id="rId22"/>
-      <p:bold r:id="rId23"/>
+      <p:font typeface="Calibri" panose="020F0502020204030204"/>
+      <p:regular r:id="rId21"/>
+      <p:bold r:id="rId22"/>
+      <p:italic r:id="rId23"/>
+      <p:boldItalic r:id="rId24"/>
+    </p:embeddedFont>
+    <p:embeddedFont>
+      <p:font typeface="Open Sans" panose="020B0606030504020204" charset="0"/>
+      <p:italic r:id="rId25"/>
+      <p:boldItalic r:id="rId26"/>
     </p:embeddedFont>
   </p:embeddedFontLst>
   <p:defaultTextStyle>
@@ -68,15 +70,15 @@
       <a:buClr>
         <a:srgbClr val="000000"/>
       </a:buClr>
-      <a:buFont typeface="Arial"/>
+      <a:buFont typeface="Arial" panose="020B0604020202020204"/>
       <a:defRPr sz="1400" b="0" i="0" u="none" strike="noStrike" cap="none">
         <a:solidFill>
           <a:srgbClr val="000000"/>
         </a:solidFill>
-        <a:latin typeface="Arial"/>
-        <a:ea typeface="Arial"/>
-        <a:cs typeface="Arial"/>
-        <a:sym typeface="Arial"/>
+        <a:latin typeface="Arial" panose="020B0604020202020204"/>
+        <a:ea typeface="Arial" panose="020B0604020202020204"/>
+        <a:cs typeface="Arial" panose="020B0604020202020204"/>
+        <a:sym typeface="Arial" panose="020B0604020202020204"/>
       </a:defRPr>
     </a:lvl1pPr>
     <a:lvl2pPr marR="0" lvl="1" algn="l" rtl="0">
@@ -92,15 +94,15 @@
       <a:buClr>
         <a:srgbClr val="000000"/>
       </a:buClr>
-      <a:buFont typeface="Arial"/>
+      <a:buFont typeface="Arial" panose="020B0604020202020204"/>
       <a:defRPr sz="1400" b="0" i="0" u="none" strike="noStrike" cap="none">
         <a:solidFill>
           <a:srgbClr val="000000"/>
         </a:solidFill>
-        <a:latin typeface="Arial"/>
-        <a:ea typeface="Arial"/>
-        <a:cs typeface="Arial"/>
-        <a:sym typeface="Arial"/>
+        <a:latin typeface="Arial" panose="020B0604020202020204"/>
+        <a:ea typeface="Arial" panose="020B0604020202020204"/>
+        <a:cs typeface="Arial" panose="020B0604020202020204"/>
+        <a:sym typeface="Arial" panose="020B0604020202020204"/>
       </a:defRPr>
     </a:lvl2pPr>
     <a:lvl3pPr marR="0" lvl="2" algn="l" rtl="0">
@@ -116,15 +118,15 @@
       <a:buClr>
         <a:srgbClr val="000000"/>
       </a:buClr>
-      <a:buFont typeface="Arial"/>
+      <a:buFont typeface="Arial" panose="020B0604020202020204"/>
       <a:defRPr sz="1400" b="0" i="0" u="none" strike="noStrike" cap="none">
         <a:solidFill>
           <a:srgbClr val="000000"/>
         </a:solidFill>
-        <a:latin typeface="Arial"/>
-        <a:ea typeface="Arial"/>
-        <a:cs typeface="Arial"/>
-        <a:sym typeface="Arial"/>
+        <a:latin typeface="Arial" panose="020B0604020202020204"/>
+        <a:ea typeface="Arial" panose="020B0604020202020204"/>
+        <a:cs typeface="Arial" panose="020B0604020202020204"/>
+        <a:sym typeface="Arial" panose="020B0604020202020204"/>
       </a:defRPr>
     </a:lvl3pPr>
     <a:lvl4pPr marR="0" lvl="3" algn="l" rtl="0">
@@ -140,15 +142,15 @@
       <a:buClr>
         <a:srgbClr val="000000"/>
       </a:buClr>
-      <a:buFont typeface="Arial"/>
+      <a:buFont typeface="Arial" panose="020B0604020202020204"/>
       <a:defRPr sz="1400" b="0" i="0" u="none" strike="noStrike" cap="none">
         <a:solidFill>
           <a:srgbClr val="000000"/>
         </a:solidFill>
-        <a:latin typeface="Arial"/>
-        <a:ea typeface="Arial"/>
-        <a:cs typeface="Arial"/>
-        <a:sym typeface="Arial"/>
+        <a:latin typeface="Arial" panose="020B0604020202020204"/>
+        <a:ea typeface="Arial" panose="020B0604020202020204"/>
+        <a:cs typeface="Arial" panose="020B0604020202020204"/>
+        <a:sym typeface="Arial" panose="020B0604020202020204"/>
       </a:defRPr>
     </a:lvl4pPr>
     <a:lvl5pPr marR="0" lvl="4" algn="l" rtl="0">
@@ -164,15 +166,15 @@
       <a:buClr>
         <a:srgbClr val="000000"/>
       </a:buClr>
-      <a:buFont typeface="Arial"/>
+      <a:buFont typeface="Arial" panose="020B0604020202020204"/>
       <a:defRPr sz="1400" b="0" i="0" u="none" strike="noStrike" cap="none">
         <a:solidFill>
           <a:srgbClr val="000000"/>
         </a:solidFill>
-        <a:latin typeface="Arial"/>
-        <a:ea typeface="Arial"/>
-        <a:cs typeface="Arial"/>
-        <a:sym typeface="Arial"/>
+        <a:latin typeface="Arial" panose="020B0604020202020204"/>
+        <a:ea typeface="Arial" panose="020B0604020202020204"/>
+        <a:cs typeface="Arial" panose="020B0604020202020204"/>
+        <a:sym typeface="Arial" panose="020B0604020202020204"/>
       </a:defRPr>
     </a:lvl5pPr>
     <a:lvl6pPr marR="0" lvl="5" algn="l" rtl="0">
@@ -188,15 +190,15 @@
       <a:buClr>
         <a:srgbClr val="000000"/>
       </a:buClr>
-      <a:buFont typeface="Arial"/>
+      <a:buFont typeface="Arial" panose="020B0604020202020204"/>
       <a:defRPr sz="1400" b="0" i="0" u="none" strike="noStrike" cap="none">
         <a:solidFill>
           <a:srgbClr val="000000"/>
         </a:solidFill>
-        <a:latin typeface="Arial"/>
-        <a:ea typeface="Arial"/>
-        <a:cs typeface="Arial"/>
-        <a:sym typeface="Arial"/>
+        <a:latin typeface="Arial" panose="020B0604020202020204"/>
+        <a:ea typeface="Arial" panose="020B0604020202020204"/>
+        <a:cs typeface="Arial" panose="020B0604020202020204"/>
+        <a:sym typeface="Arial" panose="020B0604020202020204"/>
       </a:defRPr>
     </a:lvl6pPr>
     <a:lvl7pPr marR="0" lvl="6" algn="l" rtl="0">
@@ -212,15 +214,15 @@
       <a:buClr>
         <a:srgbClr val="000000"/>
       </a:buClr>
-      <a:buFont typeface="Arial"/>
+      <a:buFont typeface="Arial" panose="020B0604020202020204"/>
       <a:defRPr sz="1400" b="0" i="0" u="none" strike="noStrike" cap="none">
         <a:solidFill>
           <a:srgbClr val="000000"/>
         </a:solidFill>
-        <a:latin typeface="Arial"/>
-        <a:ea typeface="Arial"/>
-        <a:cs typeface="Arial"/>
-        <a:sym typeface="Arial"/>
+        <a:latin typeface="Arial" panose="020B0604020202020204"/>
+        <a:ea typeface="Arial" panose="020B0604020202020204"/>
+        <a:cs typeface="Arial" panose="020B0604020202020204"/>
+        <a:sym typeface="Arial" panose="020B0604020202020204"/>
       </a:defRPr>
     </a:lvl7pPr>
     <a:lvl8pPr marR="0" lvl="7" algn="l" rtl="0">
@@ -236,15 +238,15 @@
       <a:buClr>
         <a:srgbClr val="000000"/>
       </a:buClr>
-      <a:buFont typeface="Arial"/>
+      <a:buFont typeface="Arial" panose="020B0604020202020204"/>
       <a:defRPr sz="1400" b="0" i="0" u="none" strike="noStrike" cap="none">
         <a:solidFill>
           <a:srgbClr val="000000"/>
         </a:solidFill>
-        <a:latin typeface="Arial"/>
-        <a:ea typeface="Arial"/>
-        <a:cs typeface="Arial"/>
-        <a:sym typeface="Arial"/>
+        <a:latin typeface="Arial" panose="020B0604020202020204"/>
+        <a:ea typeface="Arial" panose="020B0604020202020204"/>
+        <a:cs typeface="Arial" panose="020B0604020202020204"/>
+        <a:sym typeface="Arial" panose="020B0604020202020204"/>
       </a:defRPr>
     </a:lvl8pPr>
     <a:lvl9pPr marR="0" lvl="8" algn="l" rtl="0">
@@ -260,15 +262,15 @@
       <a:buClr>
         <a:srgbClr val="000000"/>
       </a:buClr>
-      <a:buFont typeface="Arial"/>
+      <a:buFont typeface="Arial" panose="020B0604020202020204"/>
       <a:defRPr sz="1400" b="0" i="0" u="none" strike="noStrike" cap="none">
         <a:solidFill>
           <a:srgbClr val="000000"/>
         </a:solidFill>
-        <a:latin typeface="Arial"/>
-        <a:ea typeface="Arial"/>
-        <a:cs typeface="Arial"/>
-        <a:sym typeface="Arial"/>
+        <a:latin typeface="Arial" panose="020B0604020202020204"/>
+        <a:ea typeface="Arial" panose="020B0604020202020204"/>
+        <a:cs typeface="Arial" panose="020B0604020202020204"/>
+        <a:sym typeface="Arial" panose="020B0604020202020204"/>
       </a:defRPr>
     </a:lvl9pPr>
   </p:defaultTextStyle>
@@ -476,9 +478,7 @@
               <a:defRPr sz="1100"/>
             </a:lvl9pPr>
           </a:lstStyle>
-          <a:p>
-            <a:endParaRPr/>
-          </a:p>
+          <a:p/>
         </p:txBody>
       </p:sp>
     </p:spTree>
@@ -509,15 +509,15 @@
       <a:buClr>
         <a:srgbClr val="000000"/>
       </a:buClr>
-      <a:buFont typeface="Arial"/>
+      <a:buFont typeface="Arial" panose="020B0604020202020204"/>
       <a:defRPr sz="1400" b="0" i="0" u="none" strike="noStrike" cap="none">
         <a:solidFill>
           <a:srgbClr val="000000"/>
         </a:solidFill>
-        <a:latin typeface="Arial"/>
-        <a:ea typeface="Arial"/>
-        <a:cs typeface="Arial"/>
-        <a:sym typeface="Arial"/>
+        <a:latin typeface="Arial" panose="020B0604020202020204"/>
+        <a:ea typeface="Arial" panose="020B0604020202020204"/>
+        <a:cs typeface="Arial" panose="020B0604020202020204"/>
+        <a:sym typeface="Arial" panose="020B0604020202020204"/>
       </a:defRPr>
     </a:lvl1pPr>
     <a:lvl2pPr marR="0" lvl="1" algn="l" rtl="0">
@@ -533,15 +533,15 @@
       <a:buClr>
         <a:srgbClr val="000000"/>
       </a:buClr>
-      <a:buFont typeface="Arial"/>
+      <a:buFont typeface="Arial" panose="020B0604020202020204"/>
       <a:defRPr sz="1400" b="0" i="0" u="none" strike="noStrike" cap="none">
         <a:solidFill>
           <a:srgbClr val="000000"/>
         </a:solidFill>
-        <a:latin typeface="Arial"/>
-        <a:ea typeface="Arial"/>
-        <a:cs typeface="Arial"/>
-        <a:sym typeface="Arial"/>
+        <a:latin typeface="Arial" panose="020B0604020202020204"/>
+        <a:ea typeface="Arial" panose="020B0604020202020204"/>
+        <a:cs typeface="Arial" panose="020B0604020202020204"/>
+        <a:sym typeface="Arial" panose="020B0604020202020204"/>
       </a:defRPr>
     </a:lvl2pPr>
     <a:lvl3pPr marR="0" lvl="2" algn="l" rtl="0">
@@ -557,15 +557,15 @@
       <a:buClr>
         <a:srgbClr val="000000"/>
       </a:buClr>
-      <a:buFont typeface="Arial"/>
+      <a:buFont typeface="Arial" panose="020B0604020202020204"/>
       <a:defRPr sz="1400" b="0" i="0" u="none" strike="noStrike" cap="none">
         <a:solidFill>
           <a:srgbClr val="000000"/>
         </a:solidFill>
-        <a:latin typeface="Arial"/>
-        <a:ea typeface="Arial"/>
-        <a:cs typeface="Arial"/>
-        <a:sym typeface="Arial"/>
+        <a:latin typeface="Arial" panose="020B0604020202020204"/>
+        <a:ea typeface="Arial" panose="020B0604020202020204"/>
+        <a:cs typeface="Arial" panose="020B0604020202020204"/>
+        <a:sym typeface="Arial" panose="020B0604020202020204"/>
       </a:defRPr>
     </a:lvl3pPr>
     <a:lvl4pPr marR="0" lvl="3" algn="l" rtl="0">
@@ -581,15 +581,15 @@
       <a:buClr>
         <a:srgbClr val="000000"/>
       </a:buClr>
-      <a:buFont typeface="Arial"/>
+      <a:buFont typeface="Arial" panose="020B0604020202020204"/>
       <a:defRPr sz="1400" b="0" i="0" u="none" strike="noStrike" cap="none">
         <a:solidFill>
           <a:srgbClr val="000000"/>
         </a:solidFill>
-        <a:latin typeface="Arial"/>
-        <a:ea typeface="Arial"/>
-        <a:cs typeface="Arial"/>
-        <a:sym typeface="Arial"/>
+        <a:latin typeface="Arial" panose="020B0604020202020204"/>
+        <a:ea typeface="Arial" panose="020B0604020202020204"/>
+        <a:cs typeface="Arial" panose="020B0604020202020204"/>
+        <a:sym typeface="Arial" panose="020B0604020202020204"/>
       </a:defRPr>
     </a:lvl4pPr>
     <a:lvl5pPr marR="0" lvl="4" algn="l" rtl="0">
@@ -605,15 +605,15 @@
       <a:buClr>
         <a:srgbClr val="000000"/>
       </a:buClr>
-      <a:buFont typeface="Arial"/>
+      <a:buFont typeface="Arial" panose="020B0604020202020204"/>
       <a:defRPr sz="1400" b="0" i="0" u="none" strike="noStrike" cap="none">
         <a:solidFill>
           <a:srgbClr val="000000"/>
         </a:solidFill>
-        <a:latin typeface="Arial"/>
-        <a:ea typeface="Arial"/>
-        <a:cs typeface="Arial"/>
-        <a:sym typeface="Arial"/>
+        <a:latin typeface="Arial" panose="020B0604020202020204"/>
+        <a:ea typeface="Arial" panose="020B0604020202020204"/>
+        <a:cs typeface="Arial" panose="020B0604020202020204"/>
+        <a:sym typeface="Arial" panose="020B0604020202020204"/>
       </a:defRPr>
     </a:lvl5pPr>
     <a:lvl6pPr marR="0" lvl="5" algn="l" rtl="0">
@@ -629,15 +629,15 @@
       <a:buClr>
         <a:srgbClr val="000000"/>
       </a:buClr>
-      <a:buFont typeface="Arial"/>
+      <a:buFont typeface="Arial" panose="020B0604020202020204"/>
       <a:defRPr sz="1400" b="0" i="0" u="none" strike="noStrike" cap="none">
         <a:solidFill>
           <a:srgbClr val="000000"/>
         </a:solidFill>
-        <a:latin typeface="Arial"/>
-        <a:ea typeface="Arial"/>
-        <a:cs typeface="Arial"/>
-        <a:sym typeface="Arial"/>
+        <a:latin typeface="Arial" panose="020B0604020202020204"/>
+        <a:ea typeface="Arial" panose="020B0604020202020204"/>
+        <a:cs typeface="Arial" panose="020B0604020202020204"/>
+        <a:sym typeface="Arial" panose="020B0604020202020204"/>
       </a:defRPr>
     </a:lvl6pPr>
     <a:lvl7pPr marR="0" lvl="6" algn="l" rtl="0">
@@ -653,15 +653,15 @@
       <a:buClr>
         <a:srgbClr val="000000"/>
       </a:buClr>
-      <a:buFont typeface="Arial"/>
+      <a:buFont typeface="Arial" panose="020B0604020202020204"/>
       <a:defRPr sz="1400" b="0" i="0" u="none" strike="noStrike" cap="none">
         <a:solidFill>
           <a:srgbClr val="000000"/>
         </a:solidFill>
-        <a:latin typeface="Arial"/>
-        <a:ea typeface="Arial"/>
-        <a:cs typeface="Arial"/>
-        <a:sym typeface="Arial"/>
+        <a:latin typeface="Arial" panose="020B0604020202020204"/>
+        <a:ea typeface="Arial" panose="020B0604020202020204"/>
+        <a:cs typeface="Arial" panose="020B0604020202020204"/>
+        <a:sym typeface="Arial" panose="020B0604020202020204"/>
       </a:defRPr>
     </a:lvl7pPr>
     <a:lvl8pPr marR="0" lvl="7" algn="l" rtl="0">
@@ -677,15 +677,15 @@
       <a:buClr>
         <a:srgbClr val="000000"/>
       </a:buClr>
-      <a:buFont typeface="Arial"/>
+      <a:buFont typeface="Arial" panose="020B0604020202020204"/>
       <a:defRPr sz="1400" b="0" i="0" u="none" strike="noStrike" cap="none">
         <a:solidFill>
           <a:srgbClr val="000000"/>
         </a:solidFill>
-        <a:latin typeface="Arial"/>
-        <a:ea typeface="Arial"/>
-        <a:cs typeface="Arial"/>
-        <a:sym typeface="Arial"/>
+        <a:latin typeface="Arial" panose="020B0604020202020204"/>
+        <a:ea typeface="Arial" panose="020B0604020202020204"/>
+        <a:cs typeface="Arial" panose="020B0604020202020204"/>
+        <a:sym typeface="Arial" panose="020B0604020202020204"/>
       </a:defRPr>
     </a:lvl8pPr>
     <a:lvl9pPr marR="0" lvl="8" algn="l" rtl="0">
@@ -701,15 +701,15 @@
       <a:buClr>
         <a:srgbClr val="000000"/>
       </a:buClr>
-      <a:buFont typeface="Arial"/>
+      <a:buFont typeface="Arial" panose="020B0604020202020204"/>
       <a:defRPr sz="1400" b="0" i="0" u="none" strike="noStrike" cap="none">
         <a:solidFill>
           <a:srgbClr val="000000"/>
         </a:solidFill>
-        <a:latin typeface="Arial"/>
-        <a:ea typeface="Arial"/>
-        <a:cs typeface="Arial"/>
-        <a:sym typeface="Arial"/>
+        <a:latin typeface="Arial" panose="020B0604020202020204"/>
+        <a:ea typeface="Arial" panose="020B0604020202020204"/>
+        <a:cs typeface="Arial" panose="020B0604020202020204"/>
+        <a:sym typeface="Arial" panose="020B0604020202020204"/>
       </a:defRPr>
     </a:lvl9pPr>
   </p:notesStyle>
@@ -717,7 +717,7 @@
 </file>
 
 <file path=ppt/notesSlides/notesSlide1.xml><?xml version="1.0" encoding="utf-8"?>
-<p:notes xmlns:a="http://schemas.openxmlformats.org/drawingml/2006/main" xmlns:r="http://schemas.openxmlformats.org/officeDocument/2006/relationships" xmlns:p="http://schemas.openxmlformats.org/presentationml/2006/main" showMasterSp="0" showMasterPhAnim="0">
+<p:notes xmlns:a="http://schemas.openxmlformats.org/drawingml/2006/main" xmlns:r="http://schemas.openxmlformats.org/officeDocument/2006/relationships" xmlns:p="http://schemas.openxmlformats.org/presentationml/2006/main" showMasterPhAnim="0" showMasterSp="0">
   <p:cSld>
     <p:spTree>
       <p:nvGrpSpPr>
@@ -808,7 +808,6 @@
               </a:spcAft>
               <a:buNone/>
             </a:pPr>
-            <a:endParaRPr/>
           </a:p>
         </p:txBody>
       </p:sp>
@@ -821,7 +820,7 @@
 </file>
 
 <file path=ppt/notesSlides/notesSlide10.xml><?xml version="1.0" encoding="utf-8"?>
-<p:notes xmlns:a="http://schemas.openxmlformats.org/drawingml/2006/main" xmlns:r="http://schemas.openxmlformats.org/officeDocument/2006/relationships" xmlns:p="http://schemas.openxmlformats.org/presentationml/2006/main" showMasterSp="0" showMasterPhAnim="0">
+<p:notes xmlns:a="http://schemas.openxmlformats.org/drawingml/2006/main" xmlns:r="http://schemas.openxmlformats.org/officeDocument/2006/relationships" xmlns:p="http://schemas.openxmlformats.org/presentationml/2006/main" showMasterPhAnim="0" showMasterSp="0">
   <p:cSld>
     <p:spTree>
       <p:nvGrpSpPr>
@@ -912,7 +911,6 @@
               </a:spcAft>
               <a:buNone/>
             </a:pPr>
-            <a:endParaRPr/>
           </a:p>
         </p:txBody>
       </p:sp>
@@ -925,7 +923,7 @@
 </file>
 
 <file path=ppt/notesSlides/notesSlide11.xml><?xml version="1.0" encoding="utf-8"?>
-<p:notes xmlns:a="http://schemas.openxmlformats.org/drawingml/2006/main" xmlns:r="http://schemas.openxmlformats.org/officeDocument/2006/relationships" xmlns:p="http://schemas.openxmlformats.org/presentationml/2006/main" showMasterSp="0" showMasterPhAnim="0">
+<p:notes xmlns:a="http://schemas.openxmlformats.org/drawingml/2006/main" xmlns:r="http://schemas.openxmlformats.org/officeDocument/2006/relationships" xmlns:p="http://schemas.openxmlformats.org/presentationml/2006/main" showMasterPhAnim="0" showMasterSp="0">
   <p:cSld>
     <p:spTree>
       <p:nvGrpSpPr>
@@ -1016,7 +1014,6 @@
               </a:spcAft>
               <a:buNone/>
             </a:pPr>
-            <a:endParaRPr/>
           </a:p>
         </p:txBody>
       </p:sp>
@@ -1029,7 +1026,7 @@
 </file>
 
 <file path=ppt/notesSlides/notesSlide2.xml><?xml version="1.0" encoding="utf-8"?>
-<p:notes xmlns:a="http://schemas.openxmlformats.org/drawingml/2006/main" xmlns:r="http://schemas.openxmlformats.org/officeDocument/2006/relationships" xmlns:p="http://schemas.openxmlformats.org/presentationml/2006/main" showMasterSp="0" showMasterPhAnim="0">
+<p:notes xmlns:a="http://schemas.openxmlformats.org/drawingml/2006/main" xmlns:r="http://schemas.openxmlformats.org/officeDocument/2006/relationships" xmlns:p="http://schemas.openxmlformats.org/presentationml/2006/main" showMasterPhAnim="0" showMasterSp="0">
   <p:cSld>
     <p:spTree>
       <p:nvGrpSpPr>
@@ -1120,7 +1117,6 @@
               </a:spcAft>
               <a:buNone/>
             </a:pPr>
-            <a:endParaRPr/>
           </a:p>
         </p:txBody>
       </p:sp>
@@ -1133,7 +1129,7 @@
 </file>
 
 <file path=ppt/notesSlides/notesSlide3.xml><?xml version="1.0" encoding="utf-8"?>
-<p:notes xmlns:a="http://schemas.openxmlformats.org/drawingml/2006/main" xmlns:r="http://schemas.openxmlformats.org/officeDocument/2006/relationships" xmlns:p="http://schemas.openxmlformats.org/presentationml/2006/main" showMasterSp="0" showMasterPhAnim="0">
+<p:notes xmlns:a="http://schemas.openxmlformats.org/drawingml/2006/main" xmlns:r="http://schemas.openxmlformats.org/officeDocument/2006/relationships" xmlns:p="http://schemas.openxmlformats.org/presentationml/2006/main" showMasterPhAnim="0" showMasterSp="0">
   <p:cSld>
     <p:spTree>
       <p:nvGrpSpPr>
@@ -1224,7 +1220,6 @@
               </a:spcAft>
               <a:buNone/>
             </a:pPr>
-            <a:endParaRPr/>
           </a:p>
         </p:txBody>
       </p:sp>
@@ -1237,7 +1232,7 @@
 </file>
 
 <file path=ppt/notesSlides/notesSlide4.xml><?xml version="1.0" encoding="utf-8"?>
-<p:notes xmlns:a="http://schemas.openxmlformats.org/drawingml/2006/main" xmlns:r="http://schemas.openxmlformats.org/officeDocument/2006/relationships" xmlns:p="http://schemas.openxmlformats.org/presentationml/2006/main" showMasterSp="0" showMasterPhAnim="0">
+<p:notes xmlns:a="http://schemas.openxmlformats.org/drawingml/2006/main" xmlns:r="http://schemas.openxmlformats.org/officeDocument/2006/relationships" xmlns:p="http://schemas.openxmlformats.org/presentationml/2006/main" showMasterPhAnim="0" showMasterSp="0">
   <p:cSld>
     <p:spTree>
       <p:nvGrpSpPr>
@@ -1328,16 +1323,10 @@
               </a:spcAft>
               <a:buNone/>
             </a:pPr>
-            <a:endParaRPr/>
           </a:p>
         </p:txBody>
       </p:sp>
     </p:spTree>
-    <p:extLst>
-      <p:ext uri="{BB962C8B-B14F-4D97-AF65-F5344CB8AC3E}">
-        <p14:creationId xmlns:p14="http://schemas.microsoft.com/office/powerpoint/2010/main" val="1710975271"/>
-      </p:ext>
-    </p:extLst>
   </p:cSld>
   <p:clrMapOvr>
     <a:masterClrMapping/>
@@ -1346,7 +1335,7 @@
 </file>
 
 <file path=ppt/notesSlides/notesSlide5.xml><?xml version="1.0" encoding="utf-8"?>
-<p:notes xmlns:a="http://schemas.openxmlformats.org/drawingml/2006/main" xmlns:r="http://schemas.openxmlformats.org/officeDocument/2006/relationships" xmlns:p="http://schemas.openxmlformats.org/presentationml/2006/main" showMasterSp="0" showMasterPhAnim="0">
+<p:notes xmlns:a="http://schemas.openxmlformats.org/drawingml/2006/main" xmlns:r="http://schemas.openxmlformats.org/officeDocument/2006/relationships" xmlns:p="http://schemas.openxmlformats.org/presentationml/2006/main" showMasterPhAnim="0" showMasterSp="0">
   <p:cSld>
     <p:spTree>
       <p:nvGrpSpPr>
@@ -1437,7 +1426,6 @@
               </a:spcAft>
               <a:buNone/>
             </a:pPr>
-            <a:endParaRPr/>
           </a:p>
         </p:txBody>
       </p:sp>
@@ -1450,7 +1438,7 @@
 </file>
 
 <file path=ppt/notesSlides/notesSlide6.xml><?xml version="1.0" encoding="utf-8"?>
-<p:notes xmlns:a="http://schemas.openxmlformats.org/drawingml/2006/main" xmlns:r="http://schemas.openxmlformats.org/officeDocument/2006/relationships" xmlns:p="http://schemas.openxmlformats.org/presentationml/2006/main" showMasterSp="0" showMasterPhAnim="0">
+<p:notes xmlns:a="http://schemas.openxmlformats.org/drawingml/2006/main" xmlns:r="http://schemas.openxmlformats.org/officeDocument/2006/relationships" xmlns:p="http://schemas.openxmlformats.org/presentationml/2006/main" showMasterPhAnim="0" showMasterSp="0">
   <p:cSld>
     <p:spTree>
       <p:nvGrpSpPr>
@@ -1541,16 +1529,10 @@
               </a:spcAft>
               <a:buNone/>
             </a:pPr>
-            <a:endParaRPr/>
           </a:p>
         </p:txBody>
       </p:sp>
     </p:spTree>
-    <p:extLst>
-      <p:ext uri="{BB962C8B-B14F-4D97-AF65-F5344CB8AC3E}">
-        <p14:creationId xmlns:p14="http://schemas.microsoft.com/office/powerpoint/2010/main" val="1047096941"/>
-      </p:ext>
-    </p:extLst>
   </p:cSld>
   <p:clrMapOvr>
     <a:masterClrMapping/>
@@ -1559,7 +1541,7 @@
 </file>
 
 <file path=ppt/notesSlides/notesSlide7.xml><?xml version="1.0" encoding="utf-8"?>
-<p:notes xmlns:a="http://schemas.openxmlformats.org/drawingml/2006/main" xmlns:r="http://schemas.openxmlformats.org/officeDocument/2006/relationships" xmlns:p="http://schemas.openxmlformats.org/presentationml/2006/main" showMasterSp="0" showMasterPhAnim="0">
+<p:notes xmlns:a="http://schemas.openxmlformats.org/drawingml/2006/main" xmlns:r="http://schemas.openxmlformats.org/officeDocument/2006/relationships" xmlns:p="http://schemas.openxmlformats.org/presentationml/2006/main" showMasterPhAnim="0" showMasterSp="0">
   <p:cSld>
     <p:spTree>
       <p:nvGrpSpPr>
@@ -1650,16 +1632,10 @@
               </a:spcAft>
               <a:buNone/>
             </a:pPr>
-            <a:endParaRPr/>
           </a:p>
         </p:txBody>
       </p:sp>
     </p:spTree>
-    <p:extLst>
-      <p:ext uri="{BB962C8B-B14F-4D97-AF65-F5344CB8AC3E}">
-        <p14:creationId xmlns:p14="http://schemas.microsoft.com/office/powerpoint/2010/main" val="4189378260"/>
-      </p:ext>
-    </p:extLst>
   </p:cSld>
   <p:clrMapOvr>
     <a:masterClrMapping/>
@@ -1668,7 +1644,7 @@
 </file>
 
 <file path=ppt/notesSlides/notesSlide8.xml><?xml version="1.0" encoding="utf-8"?>
-<p:notes xmlns:a="http://schemas.openxmlformats.org/drawingml/2006/main" xmlns:r="http://schemas.openxmlformats.org/officeDocument/2006/relationships" xmlns:p="http://schemas.openxmlformats.org/presentationml/2006/main" showMasterSp="0" showMasterPhAnim="0">
+<p:notes xmlns:a="http://schemas.openxmlformats.org/drawingml/2006/main" xmlns:r="http://schemas.openxmlformats.org/officeDocument/2006/relationships" xmlns:p="http://schemas.openxmlformats.org/presentationml/2006/main" showMasterPhAnim="0" showMasterSp="0">
   <p:cSld>
     <p:spTree>
       <p:nvGrpSpPr>
@@ -1759,16 +1735,10 @@
               </a:spcAft>
               <a:buNone/>
             </a:pPr>
-            <a:endParaRPr/>
           </a:p>
         </p:txBody>
       </p:sp>
     </p:spTree>
-    <p:extLst>
-      <p:ext uri="{BB962C8B-B14F-4D97-AF65-F5344CB8AC3E}">
-        <p14:creationId xmlns:p14="http://schemas.microsoft.com/office/powerpoint/2010/main" val="1205413352"/>
-      </p:ext>
-    </p:extLst>
   </p:cSld>
   <p:clrMapOvr>
     <a:masterClrMapping/>
@@ -1777,7 +1747,7 @@
 </file>
 
 <file path=ppt/notesSlides/notesSlide9.xml><?xml version="1.0" encoding="utf-8"?>
-<p:notes xmlns:a="http://schemas.openxmlformats.org/drawingml/2006/main" xmlns:r="http://schemas.openxmlformats.org/officeDocument/2006/relationships" xmlns:p="http://schemas.openxmlformats.org/presentationml/2006/main" showMasterSp="0" showMasterPhAnim="0">
+<p:notes xmlns:a="http://schemas.openxmlformats.org/drawingml/2006/main" xmlns:r="http://schemas.openxmlformats.org/officeDocument/2006/relationships" xmlns:p="http://schemas.openxmlformats.org/presentationml/2006/main" showMasterPhAnim="0" showMasterSp="0">
   <p:cSld>
     <p:spTree>
       <p:nvGrpSpPr>
@@ -1868,16 +1838,10 @@
               </a:spcAft>
               <a:buNone/>
             </a:pPr>
-            <a:endParaRPr/>
           </a:p>
         </p:txBody>
       </p:sp>
     </p:spTree>
-    <p:extLst>
-      <p:ext uri="{BB962C8B-B14F-4D97-AF65-F5344CB8AC3E}">
-        <p14:creationId xmlns:p14="http://schemas.microsoft.com/office/powerpoint/2010/main" val="1721841118"/>
-      </p:ext>
-    </p:extLst>
   </p:cSld>
   <p:clrMapOvr>
     <a:masterClrMapping/>
@@ -1886,7 +1850,7 @@
 </file>
 
 <file path=ppt/slideLayouts/slideLayout1.xml><?xml version="1.0" encoding="utf-8"?>
-<p:sldLayout xmlns:a="http://schemas.openxmlformats.org/drawingml/2006/main" xmlns:r="http://schemas.openxmlformats.org/officeDocument/2006/relationships" xmlns:p="http://schemas.openxmlformats.org/presentationml/2006/main" matchingName="Title slide" type="title">
+<p:sldLayout xmlns:a="http://schemas.openxmlformats.org/drawingml/2006/main" xmlns:r="http://schemas.openxmlformats.org/officeDocument/2006/relationships" xmlns:p="http://schemas.openxmlformats.org/presentationml/2006/main" type="title" matchingName="Title slide">
   <p:cSld name="TITLE">
     <p:spTree>
       <p:nvGrpSpPr>
@@ -2212,9 +2176,7 @@
               <a:defRPr sz="5400"/>
             </a:lvl9pPr>
           </a:lstStyle>
-          <a:p>
-            <a:endParaRPr/>
-          </a:p>
+          <a:p/>
         </p:txBody>
       </p:sp>
       <p:sp>
@@ -2368,9 +2330,7 @@
               <a:defRPr sz="2400"/>
             </a:lvl9pPr>
           </a:lstStyle>
-          <a:p>
-            <a:endParaRPr/>
-          </a:p>
+          <a:p/>
         </p:txBody>
       </p:sp>
       <p:sp>
@@ -2445,10 +2405,9 @@
               <a:buNone/>
             </a:pPr>
             <a:fld id="{00000000-1234-1234-1234-123412341234}" type="slidenum">
-              <a:rPr lang="en"/>
-              <a:t>‹#›</a:t>
+              <a:rPr lang="en-GB"/>
             </a:fld>
-            <a:endParaRPr/>
+            <a:endParaRPr lang="en-GB"/>
           </a:p>
         </p:txBody>
       </p:sp>
@@ -2513,7 +2472,6 @@
               </a:spcAft>
               <a:buNone/>
             </a:pPr>
-            <a:endParaRPr/>
           </a:p>
         </p:txBody>
       </p:sp>
@@ -2835,9 +2793,7 @@
               <a:defRPr/>
             </a:lvl9pPr>
           </a:lstStyle>
-          <a:p>
-            <a:endParaRPr/>
-          </a:p>
+          <a:p/>
         </p:txBody>
       </p:sp>
       <p:sp>
@@ -2912,10 +2868,9 @@
               <a:buNone/>
             </a:pPr>
             <a:fld id="{00000000-1234-1234-1234-123412341234}" type="slidenum">
-              <a:rPr lang="en"/>
-              <a:t>‹#›</a:t>
+              <a:rPr lang="en-GB"/>
             </a:fld>
-            <a:endParaRPr/>
+            <a:endParaRPr lang="en-GB"/>
           </a:p>
         </p:txBody>
       </p:sp>
@@ -2928,7 +2883,7 @@
 </file>
 
 <file path=ppt/slideLayouts/slideLayout11.xml><?xml version="1.0" encoding="utf-8"?>
-<p:sldLayout xmlns:a="http://schemas.openxmlformats.org/drawingml/2006/main" xmlns:r="http://schemas.openxmlformats.org/officeDocument/2006/relationships" xmlns:p="http://schemas.openxmlformats.org/presentationml/2006/main" matchingName="Blank" type="blank">
+<p:sldLayout xmlns:a="http://schemas.openxmlformats.org/drawingml/2006/main" xmlns:r="http://schemas.openxmlformats.org/officeDocument/2006/relationships" xmlns:p="http://schemas.openxmlformats.org/presentationml/2006/main" type="blank" matchingName="Blank">
   <p:cSld name="BLANK">
     <p:spTree>
       <p:nvGrpSpPr>
@@ -3016,10 +2971,9 @@
               <a:buNone/>
             </a:pPr>
             <a:fld id="{00000000-1234-1234-1234-123412341234}" type="slidenum">
-              <a:rPr lang="en"/>
-              <a:t>‹#›</a:t>
+              <a:rPr lang="en-GB"/>
             </a:fld>
-            <a:endParaRPr/>
+            <a:endParaRPr lang="en-GB"/>
           </a:p>
         </p:txBody>
       </p:sp>
@@ -3032,7 +2986,7 @@
 </file>
 
 <file path=ppt/slideLayouts/slideLayout2.xml><?xml version="1.0" encoding="utf-8"?>
-<p:sldLayout xmlns:a="http://schemas.openxmlformats.org/drawingml/2006/main" xmlns:r="http://schemas.openxmlformats.org/officeDocument/2006/relationships" xmlns:p="http://schemas.openxmlformats.org/presentationml/2006/main" matchingName="Section header" type="secHead">
+<p:sldLayout xmlns:a="http://schemas.openxmlformats.org/drawingml/2006/main" xmlns:r="http://schemas.openxmlformats.org/officeDocument/2006/relationships" xmlns:p="http://schemas.openxmlformats.org/presentationml/2006/main" type="secHead" matchingName="Section header">
   <p:cSld name="SECTION_HEADER">
     <p:spTree>
       <p:nvGrpSpPr>
@@ -3084,7 +3038,6 @@
               </a:spcAft>
               <a:buNone/>
             </a:pPr>
-            <a:endParaRPr/>
           </a:p>
         </p:txBody>
       </p:sp>
@@ -3212,9 +3165,7 @@
               <a:defRPr/>
             </a:lvl9pPr>
           </a:lstStyle>
-          <a:p>
-            <a:endParaRPr/>
-          </a:p>
+          <a:p/>
         </p:txBody>
       </p:sp>
       <p:sp>
@@ -3325,10 +3276,9 @@
               <a:buNone/>
             </a:pPr>
             <a:fld id="{00000000-1234-1234-1234-123412341234}" type="slidenum">
-              <a:rPr lang="en"/>
-              <a:t>‹#›</a:t>
+              <a:rPr lang="en-GB"/>
             </a:fld>
-            <a:endParaRPr/>
+            <a:endParaRPr lang="en-GB"/>
           </a:p>
         </p:txBody>
       </p:sp>
@@ -3341,7 +3291,7 @@
 </file>
 
 <file path=ppt/slideLayouts/slideLayout3.xml><?xml version="1.0" encoding="utf-8"?>
-<p:sldLayout xmlns:a="http://schemas.openxmlformats.org/drawingml/2006/main" xmlns:r="http://schemas.openxmlformats.org/officeDocument/2006/relationships" xmlns:p="http://schemas.openxmlformats.org/presentationml/2006/main" matchingName="Title and body" type="tx">
+<p:sldLayout xmlns:a="http://schemas.openxmlformats.org/drawingml/2006/main" xmlns:r="http://schemas.openxmlformats.org/officeDocument/2006/relationships" xmlns:p="http://schemas.openxmlformats.org/presentationml/2006/main" type="tx" matchingName="Title and body">
   <p:cSld name="TITLE_AND_BODY">
     <p:spTree>
       <p:nvGrpSpPr>
@@ -3393,7 +3343,6 @@
               </a:spcAft>
               <a:buNone/>
             </a:pPr>
-            <a:endParaRPr/>
           </a:p>
         </p:txBody>
       </p:sp>
@@ -3521,9 +3470,7 @@
               <a:defRPr/>
             </a:lvl9pPr>
           </a:lstStyle>
-          <a:p>
-            <a:endParaRPr/>
-          </a:p>
+          <a:p/>
         </p:txBody>
       </p:sp>
       <p:sp>
@@ -3650,9 +3597,7 @@
               <a:defRPr/>
             </a:lvl9pPr>
           </a:lstStyle>
-          <a:p>
-            <a:endParaRPr/>
-          </a:p>
+          <a:p/>
         </p:txBody>
       </p:sp>
       <p:sp>
@@ -3727,10 +3672,9 @@
               <a:buNone/>
             </a:pPr>
             <a:fld id="{00000000-1234-1234-1234-123412341234}" type="slidenum">
-              <a:rPr lang="en"/>
-              <a:t>‹#›</a:t>
+              <a:rPr lang="en-GB"/>
             </a:fld>
-            <a:endParaRPr/>
+            <a:endParaRPr lang="en-GB"/>
           </a:p>
         </p:txBody>
       </p:sp>
@@ -3743,7 +3687,7 @@
 </file>
 
 <file path=ppt/slideLayouts/slideLayout4.xml><?xml version="1.0" encoding="utf-8"?>
-<p:sldLayout xmlns:a="http://schemas.openxmlformats.org/drawingml/2006/main" xmlns:r="http://schemas.openxmlformats.org/officeDocument/2006/relationships" xmlns:p="http://schemas.openxmlformats.org/presentationml/2006/main" matchingName="Title and two columns" type="twoColTx">
+<p:sldLayout xmlns:a="http://schemas.openxmlformats.org/drawingml/2006/main" xmlns:r="http://schemas.openxmlformats.org/officeDocument/2006/relationships" xmlns:p="http://schemas.openxmlformats.org/presentationml/2006/main" type="twoColTx" matchingName="Title and two columns">
   <p:cSld name="TITLE_AND_TWO_COLUMNS">
     <p:spTree>
       <p:nvGrpSpPr>
@@ -3883,9 +3827,7 @@
               <a:defRPr/>
             </a:lvl9pPr>
           </a:lstStyle>
-          <a:p>
-            <a:endParaRPr/>
-          </a:p>
+          <a:p/>
         </p:txBody>
       </p:sp>
       <p:sp>
@@ -4012,9 +3954,7 @@
               <a:defRPr sz="1200"/>
             </a:lvl9pPr>
           </a:lstStyle>
-          <a:p>
-            <a:endParaRPr/>
-          </a:p>
+          <a:p/>
         </p:txBody>
       </p:sp>
       <p:sp>
@@ -4141,9 +4081,7 @@
               <a:defRPr sz="1200"/>
             </a:lvl9pPr>
           </a:lstStyle>
-          <a:p>
-            <a:endParaRPr/>
-          </a:p>
+          <a:p/>
         </p:txBody>
       </p:sp>
       <p:sp>
@@ -4218,10 +4156,9 @@
               <a:buNone/>
             </a:pPr>
             <a:fld id="{00000000-1234-1234-1234-123412341234}" type="slidenum">
-              <a:rPr lang="en"/>
-              <a:t>‹#›</a:t>
+              <a:rPr lang="en-GB"/>
             </a:fld>
-            <a:endParaRPr/>
+            <a:endParaRPr lang="en-GB"/>
           </a:p>
         </p:txBody>
       </p:sp>
@@ -4234,7 +4171,7 @@
 </file>
 
 <file path=ppt/slideLayouts/slideLayout5.xml><?xml version="1.0" encoding="utf-8"?>
-<p:sldLayout xmlns:a="http://schemas.openxmlformats.org/drawingml/2006/main" xmlns:r="http://schemas.openxmlformats.org/officeDocument/2006/relationships" xmlns:p="http://schemas.openxmlformats.org/presentationml/2006/main" matchingName="Title only" type="titleOnly">
+<p:sldLayout xmlns:a="http://schemas.openxmlformats.org/drawingml/2006/main" xmlns:r="http://schemas.openxmlformats.org/officeDocument/2006/relationships" xmlns:p="http://schemas.openxmlformats.org/presentationml/2006/main" type="titleOnly" matchingName="Title only">
   <p:cSld name="TITLE_ONLY">
     <p:spTree>
       <p:nvGrpSpPr>
@@ -4374,9 +4311,7 @@
               <a:defRPr/>
             </a:lvl9pPr>
           </a:lstStyle>
-          <a:p>
-            <a:endParaRPr/>
-          </a:p>
+          <a:p/>
         </p:txBody>
       </p:sp>
       <p:sp>
@@ -4451,10 +4386,9 @@
               <a:buNone/>
             </a:pPr>
             <a:fld id="{00000000-1234-1234-1234-123412341234}" type="slidenum">
-              <a:rPr lang="en"/>
-              <a:t>‹#›</a:t>
+              <a:rPr lang="en-GB"/>
             </a:fld>
-            <a:endParaRPr/>
+            <a:endParaRPr lang="en-GB"/>
           </a:p>
         </p:txBody>
       </p:sp>
@@ -4607,9 +4541,7 @@
               <a:defRPr sz="2400"/>
             </a:lvl9pPr>
           </a:lstStyle>
-          <a:p>
-            <a:endParaRPr/>
-          </a:p>
+          <a:p/>
         </p:txBody>
       </p:sp>
       <p:sp>
@@ -4736,9 +4668,7 @@
               <a:defRPr sz="1200"/>
             </a:lvl9pPr>
           </a:lstStyle>
-          <a:p>
-            <a:endParaRPr/>
-          </a:p>
+          <a:p/>
         </p:txBody>
       </p:sp>
       <p:sp>
@@ -4813,10 +4743,9 @@
               <a:buNone/>
             </a:pPr>
             <a:fld id="{00000000-1234-1234-1234-123412341234}" type="slidenum">
-              <a:rPr lang="en"/>
-              <a:t>‹#›</a:t>
+              <a:rPr lang="en-GB"/>
             </a:fld>
-            <a:endParaRPr/>
+            <a:endParaRPr lang="en-GB"/>
           </a:p>
         </p:txBody>
       </p:sp>
@@ -5040,9 +4969,7 @@
               </a:defRPr>
             </a:lvl9pPr>
           </a:lstStyle>
-          <a:p>
-            <a:endParaRPr/>
-          </a:p>
+          <a:p/>
         </p:txBody>
       </p:sp>
       <p:sp>
@@ -5117,10 +5044,9 @@
               <a:buNone/>
             </a:pPr>
             <a:fld id="{00000000-1234-1234-1234-123412341234}" type="slidenum">
-              <a:rPr lang="en"/>
-              <a:t>‹#›</a:t>
+              <a:rPr lang="en-GB"/>
             </a:fld>
-            <a:endParaRPr/>
+            <a:endParaRPr lang="en-GB"/>
           </a:p>
         </p:txBody>
       </p:sp>
@@ -5185,7 +5111,6 @@
               </a:spcAft>
               <a:buNone/>
             </a:pPr>
-            <a:endParaRPr/>
           </a:p>
         </p:txBody>
       </p:sp>
@@ -5339,9 +5264,7 @@
               <a:defRPr sz="4200"/>
             </a:lvl9pPr>
           </a:lstStyle>
-          <a:p>
-            <a:endParaRPr/>
-          </a:p>
+          <a:p/>
         </p:txBody>
       </p:sp>
       <p:sp>
@@ -5495,9 +5418,7 @@
               <a:defRPr sz="2100"/>
             </a:lvl9pPr>
           </a:lstStyle>
-          <a:p>
-            <a:endParaRPr/>
-          </a:p>
+          <a:p/>
         </p:txBody>
       </p:sp>
       <p:sp>
@@ -5687,9 +5608,7 @@
               </a:defRPr>
             </a:lvl9pPr>
           </a:lstStyle>
-          <a:p>
-            <a:endParaRPr/>
-          </a:p>
+          <a:p/>
         </p:txBody>
       </p:sp>
       <p:sp>
@@ -5800,10 +5719,9 @@
               <a:buNone/>
             </a:pPr>
             <a:fld id="{00000000-1234-1234-1234-123412341234}" type="slidenum">
-              <a:rPr lang="en"/>
-              <a:t>‹#›</a:t>
+              <a:rPr lang="en-GB"/>
             </a:fld>
-            <a:endParaRPr/>
+            <a:endParaRPr lang="en-GB"/>
           </a:p>
         </p:txBody>
       </p:sp>
@@ -5867,19 +5785,17 @@
                 <a:spcPts val="0"/>
               </a:spcAft>
               <a:buSzPts val="2400"/>
-              <a:buFont typeface="PT Sans Narrow"/>
+              <a:buFont typeface="PT Sans Narrow" panose="020B0506020203020204"/>
               <a:buNone/>
               <a:defRPr sz="2400">
-                <a:latin typeface="PT Sans Narrow"/>
-                <a:ea typeface="PT Sans Narrow"/>
-                <a:cs typeface="PT Sans Narrow"/>
-                <a:sym typeface="PT Sans Narrow"/>
+                <a:latin typeface="PT Sans Narrow" panose="020B0506020203020204"/>
+                <a:ea typeface="PT Sans Narrow" panose="020B0506020203020204"/>
+                <a:cs typeface="PT Sans Narrow" panose="020B0506020203020204"/>
+                <a:sym typeface="PT Sans Narrow" panose="020B0506020203020204"/>
               </a:defRPr>
             </a:lvl1pPr>
           </a:lstStyle>
-          <a:p>
-            <a:endParaRPr/>
-          </a:p>
+          <a:p/>
         </p:txBody>
       </p:sp>
       <p:sp>
@@ -5954,10 +5870,9 @@
               <a:buNone/>
             </a:pPr>
             <a:fld id="{00000000-1234-1234-1234-123412341234}" type="slidenum">
-              <a:rPr lang="en"/>
-              <a:t>‹#›</a:t>
+              <a:rPr lang="en-GB"/>
             </a:fld>
-            <a:endParaRPr/>
+            <a:endParaRPr lang="en-GB"/>
           </a:p>
         </p:txBody>
       </p:sp>
@@ -5971,7 +5886,7 @@
 
 <file path=ppt/slideMasters/slideMaster1.xml><?xml version="1.0" encoding="utf-8"?>
 <p:sldMaster xmlns:a="http://schemas.openxmlformats.org/drawingml/2006/main" xmlns:r="http://schemas.openxmlformats.org/officeDocument/2006/relationships" xmlns:p="http://schemas.openxmlformats.org/presentationml/2006/main">
-  <p:cSld name="tropic">
+  <p:cSld>
     <p:bg>
       <p:bgPr>
         <a:solidFill>
@@ -6033,16 +5948,16 @@
                 <a:schemeClr val="accent1"/>
               </a:buClr>
               <a:buSzPts val="3600"/>
-              <a:buFont typeface="PT Sans Narrow"/>
+              <a:buFont typeface="PT Sans Narrow" panose="020B0506020203020204"/>
               <a:buNone/>
               <a:defRPr sz="3600" b="1">
                 <a:solidFill>
                   <a:schemeClr val="accent1"/>
                 </a:solidFill>
-                <a:latin typeface="PT Sans Narrow"/>
-                <a:ea typeface="PT Sans Narrow"/>
-                <a:cs typeface="PT Sans Narrow"/>
-                <a:sym typeface="PT Sans Narrow"/>
+                <a:latin typeface="PT Sans Narrow" panose="020B0506020203020204"/>
+                <a:ea typeface="PT Sans Narrow" panose="020B0506020203020204"/>
+                <a:cs typeface="PT Sans Narrow" panose="020B0506020203020204"/>
+                <a:sym typeface="PT Sans Narrow" panose="020B0506020203020204"/>
               </a:defRPr>
             </a:lvl1pPr>
             <a:lvl2pPr lvl="1">
@@ -6056,16 +5971,16 @@
                 <a:schemeClr val="accent1"/>
               </a:buClr>
               <a:buSzPts val="3600"/>
-              <a:buFont typeface="PT Sans Narrow"/>
+              <a:buFont typeface="PT Sans Narrow" panose="020B0506020203020204"/>
               <a:buNone/>
               <a:defRPr sz="3600" b="1">
                 <a:solidFill>
                   <a:schemeClr val="accent1"/>
                 </a:solidFill>
-                <a:latin typeface="PT Sans Narrow"/>
-                <a:ea typeface="PT Sans Narrow"/>
-                <a:cs typeface="PT Sans Narrow"/>
-                <a:sym typeface="PT Sans Narrow"/>
+                <a:latin typeface="PT Sans Narrow" panose="020B0506020203020204"/>
+                <a:ea typeface="PT Sans Narrow" panose="020B0506020203020204"/>
+                <a:cs typeface="PT Sans Narrow" panose="020B0506020203020204"/>
+                <a:sym typeface="PT Sans Narrow" panose="020B0506020203020204"/>
               </a:defRPr>
             </a:lvl2pPr>
             <a:lvl3pPr lvl="2">
@@ -6079,16 +5994,16 @@
                 <a:schemeClr val="accent1"/>
               </a:buClr>
               <a:buSzPts val="3600"/>
-              <a:buFont typeface="PT Sans Narrow"/>
+              <a:buFont typeface="PT Sans Narrow" panose="020B0506020203020204"/>
               <a:buNone/>
               <a:defRPr sz="3600" b="1">
                 <a:solidFill>
                   <a:schemeClr val="accent1"/>
                 </a:solidFill>
-                <a:latin typeface="PT Sans Narrow"/>
-                <a:ea typeface="PT Sans Narrow"/>
-                <a:cs typeface="PT Sans Narrow"/>
-                <a:sym typeface="PT Sans Narrow"/>
+                <a:latin typeface="PT Sans Narrow" panose="020B0506020203020204"/>
+                <a:ea typeface="PT Sans Narrow" panose="020B0506020203020204"/>
+                <a:cs typeface="PT Sans Narrow" panose="020B0506020203020204"/>
+                <a:sym typeface="PT Sans Narrow" panose="020B0506020203020204"/>
               </a:defRPr>
             </a:lvl3pPr>
             <a:lvl4pPr lvl="3">
@@ -6102,16 +6017,16 @@
                 <a:schemeClr val="accent1"/>
               </a:buClr>
               <a:buSzPts val="3600"/>
-              <a:buFont typeface="PT Sans Narrow"/>
+              <a:buFont typeface="PT Sans Narrow" panose="020B0506020203020204"/>
               <a:buNone/>
               <a:defRPr sz="3600" b="1">
                 <a:solidFill>
                   <a:schemeClr val="accent1"/>
                 </a:solidFill>
-                <a:latin typeface="PT Sans Narrow"/>
-                <a:ea typeface="PT Sans Narrow"/>
-                <a:cs typeface="PT Sans Narrow"/>
-                <a:sym typeface="PT Sans Narrow"/>
+                <a:latin typeface="PT Sans Narrow" panose="020B0506020203020204"/>
+                <a:ea typeface="PT Sans Narrow" panose="020B0506020203020204"/>
+                <a:cs typeface="PT Sans Narrow" panose="020B0506020203020204"/>
+                <a:sym typeface="PT Sans Narrow" panose="020B0506020203020204"/>
               </a:defRPr>
             </a:lvl4pPr>
             <a:lvl5pPr lvl="4">
@@ -6125,16 +6040,16 @@
                 <a:schemeClr val="accent1"/>
               </a:buClr>
               <a:buSzPts val="3600"/>
-              <a:buFont typeface="PT Sans Narrow"/>
+              <a:buFont typeface="PT Sans Narrow" panose="020B0506020203020204"/>
               <a:buNone/>
               <a:defRPr sz="3600" b="1">
                 <a:solidFill>
                   <a:schemeClr val="accent1"/>
                 </a:solidFill>
-                <a:latin typeface="PT Sans Narrow"/>
-                <a:ea typeface="PT Sans Narrow"/>
-                <a:cs typeface="PT Sans Narrow"/>
-                <a:sym typeface="PT Sans Narrow"/>
+                <a:latin typeface="PT Sans Narrow" panose="020B0506020203020204"/>
+                <a:ea typeface="PT Sans Narrow" panose="020B0506020203020204"/>
+                <a:cs typeface="PT Sans Narrow" panose="020B0506020203020204"/>
+                <a:sym typeface="PT Sans Narrow" panose="020B0506020203020204"/>
               </a:defRPr>
             </a:lvl5pPr>
             <a:lvl6pPr lvl="5">
@@ -6148,16 +6063,16 @@
                 <a:schemeClr val="accent1"/>
               </a:buClr>
               <a:buSzPts val="3600"/>
-              <a:buFont typeface="PT Sans Narrow"/>
+              <a:buFont typeface="PT Sans Narrow" panose="020B0506020203020204"/>
               <a:buNone/>
               <a:defRPr sz="3600" b="1">
                 <a:solidFill>
                   <a:schemeClr val="accent1"/>
                 </a:solidFill>
-                <a:latin typeface="PT Sans Narrow"/>
-                <a:ea typeface="PT Sans Narrow"/>
-                <a:cs typeface="PT Sans Narrow"/>
-                <a:sym typeface="PT Sans Narrow"/>
+                <a:latin typeface="PT Sans Narrow" panose="020B0506020203020204"/>
+                <a:ea typeface="PT Sans Narrow" panose="020B0506020203020204"/>
+                <a:cs typeface="PT Sans Narrow" panose="020B0506020203020204"/>
+                <a:sym typeface="PT Sans Narrow" panose="020B0506020203020204"/>
               </a:defRPr>
             </a:lvl6pPr>
             <a:lvl7pPr lvl="6">
@@ -6171,16 +6086,16 @@
                 <a:schemeClr val="accent1"/>
               </a:buClr>
               <a:buSzPts val="3600"/>
-              <a:buFont typeface="PT Sans Narrow"/>
+              <a:buFont typeface="PT Sans Narrow" panose="020B0506020203020204"/>
               <a:buNone/>
               <a:defRPr sz="3600" b="1">
                 <a:solidFill>
                   <a:schemeClr val="accent1"/>
                 </a:solidFill>
-                <a:latin typeface="PT Sans Narrow"/>
-                <a:ea typeface="PT Sans Narrow"/>
-                <a:cs typeface="PT Sans Narrow"/>
-                <a:sym typeface="PT Sans Narrow"/>
+                <a:latin typeface="PT Sans Narrow" panose="020B0506020203020204"/>
+                <a:ea typeface="PT Sans Narrow" panose="020B0506020203020204"/>
+                <a:cs typeface="PT Sans Narrow" panose="020B0506020203020204"/>
+                <a:sym typeface="PT Sans Narrow" panose="020B0506020203020204"/>
               </a:defRPr>
             </a:lvl7pPr>
             <a:lvl8pPr lvl="7">
@@ -6194,16 +6109,16 @@
                 <a:schemeClr val="accent1"/>
               </a:buClr>
               <a:buSzPts val="3600"/>
-              <a:buFont typeface="PT Sans Narrow"/>
+              <a:buFont typeface="PT Sans Narrow" panose="020B0506020203020204"/>
               <a:buNone/>
               <a:defRPr sz="3600" b="1">
                 <a:solidFill>
                   <a:schemeClr val="accent1"/>
                 </a:solidFill>
-                <a:latin typeface="PT Sans Narrow"/>
-                <a:ea typeface="PT Sans Narrow"/>
-                <a:cs typeface="PT Sans Narrow"/>
-                <a:sym typeface="PT Sans Narrow"/>
+                <a:latin typeface="PT Sans Narrow" panose="020B0506020203020204"/>
+                <a:ea typeface="PT Sans Narrow" panose="020B0506020203020204"/>
+                <a:cs typeface="PT Sans Narrow" panose="020B0506020203020204"/>
+                <a:sym typeface="PT Sans Narrow" panose="020B0506020203020204"/>
               </a:defRPr>
             </a:lvl8pPr>
             <a:lvl9pPr lvl="8">
@@ -6217,22 +6132,20 @@
                 <a:schemeClr val="accent1"/>
               </a:buClr>
               <a:buSzPts val="3600"/>
-              <a:buFont typeface="PT Sans Narrow"/>
+              <a:buFont typeface="PT Sans Narrow" panose="020B0506020203020204"/>
               <a:buNone/>
               <a:defRPr sz="3600" b="1">
                 <a:solidFill>
                   <a:schemeClr val="accent1"/>
                 </a:solidFill>
-                <a:latin typeface="PT Sans Narrow"/>
-                <a:ea typeface="PT Sans Narrow"/>
-                <a:cs typeface="PT Sans Narrow"/>
-                <a:sym typeface="PT Sans Narrow"/>
+                <a:latin typeface="PT Sans Narrow" panose="020B0506020203020204"/>
+                <a:ea typeface="PT Sans Narrow" panose="020B0506020203020204"/>
+                <a:cs typeface="PT Sans Narrow" panose="020B0506020203020204"/>
+                <a:sym typeface="PT Sans Narrow" panose="020B0506020203020204"/>
               </a:defRPr>
             </a:lvl9pPr>
           </a:lstStyle>
-          <a:p>
-            <a:endParaRPr/>
-          </a:p>
+          <a:p/>
         </p:txBody>
       </p:sp>
       <p:sp>
@@ -6277,16 +6190,16 @@
                 <a:schemeClr val="dk2"/>
               </a:buClr>
               <a:buSzPts val="1800"/>
-              <a:buFont typeface="Open Sans"/>
+              <a:buFont typeface="Open Sans" panose="020B0606030504020204"/>
               <a:buChar char="●"/>
               <a:defRPr sz="1800">
                 <a:solidFill>
                   <a:schemeClr val="dk2"/>
                 </a:solidFill>
-                <a:latin typeface="Open Sans"/>
-                <a:ea typeface="Open Sans"/>
-                <a:cs typeface="Open Sans"/>
-                <a:sym typeface="Open Sans"/>
+                <a:latin typeface="Open Sans" panose="020B0606030504020204"/>
+                <a:ea typeface="Open Sans" panose="020B0606030504020204"/>
+                <a:cs typeface="Open Sans" panose="020B0606030504020204"/>
+                <a:sym typeface="Open Sans" panose="020B0606030504020204"/>
               </a:defRPr>
             </a:lvl1pPr>
             <a:lvl2pPr marL="914400" lvl="1" indent="-317500">
@@ -6303,16 +6216,16 @@
                 <a:schemeClr val="dk2"/>
               </a:buClr>
               <a:buSzPts val="1400"/>
-              <a:buFont typeface="Open Sans"/>
+              <a:buFont typeface="Open Sans" panose="020B0606030504020204"/>
               <a:buChar char="○"/>
               <a:defRPr>
                 <a:solidFill>
                   <a:schemeClr val="dk2"/>
                 </a:solidFill>
-                <a:latin typeface="Open Sans"/>
-                <a:ea typeface="Open Sans"/>
-                <a:cs typeface="Open Sans"/>
-                <a:sym typeface="Open Sans"/>
+                <a:latin typeface="Open Sans" panose="020B0606030504020204"/>
+                <a:ea typeface="Open Sans" panose="020B0606030504020204"/>
+                <a:cs typeface="Open Sans" panose="020B0606030504020204"/>
+                <a:sym typeface="Open Sans" panose="020B0606030504020204"/>
               </a:defRPr>
             </a:lvl2pPr>
             <a:lvl3pPr marL="1371600" lvl="2" indent="-317500">
@@ -6329,16 +6242,16 @@
                 <a:schemeClr val="dk2"/>
               </a:buClr>
               <a:buSzPts val="1400"/>
-              <a:buFont typeface="Open Sans"/>
+              <a:buFont typeface="Open Sans" panose="020B0606030504020204"/>
               <a:buChar char="■"/>
               <a:defRPr>
                 <a:solidFill>
                   <a:schemeClr val="dk2"/>
                 </a:solidFill>
-                <a:latin typeface="Open Sans"/>
-                <a:ea typeface="Open Sans"/>
-                <a:cs typeface="Open Sans"/>
-                <a:sym typeface="Open Sans"/>
+                <a:latin typeface="Open Sans" panose="020B0606030504020204"/>
+                <a:ea typeface="Open Sans" panose="020B0606030504020204"/>
+                <a:cs typeface="Open Sans" panose="020B0606030504020204"/>
+                <a:sym typeface="Open Sans" panose="020B0606030504020204"/>
               </a:defRPr>
             </a:lvl3pPr>
             <a:lvl4pPr marL="1828800" lvl="3" indent="-317500">
@@ -6355,16 +6268,16 @@
                 <a:schemeClr val="dk2"/>
               </a:buClr>
               <a:buSzPts val="1400"/>
-              <a:buFont typeface="Open Sans"/>
+              <a:buFont typeface="Open Sans" panose="020B0606030504020204"/>
               <a:buChar char="●"/>
               <a:defRPr>
                 <a:solidFill>
                   <a:schemeClr val="dk2"/>
                 </a:solidFill>
-                <a:latin typeface="Open Sans"/>
-                <a:ea typeface="Open Sans"/>
-                <a:cs typeface="Open Sans"/>
-                <a:sym typeface="Open Sans"/>
+                <a:latin typeface="Open Sans" panose="020B0606030504020204"/>
+                <a:ea typeface="Open Sans" panose="020B0606030504020204"/>
+                <a:cs typeface="Open Sans" panose="020B0606030504020204"/>
+                <a:sym typeface="Open Sans" panose="020B0606030504020204"/>
               </a:defRPr>
             </a:lvl4pPr>
             <a:lvl5pPr marL="2286000" lvl="4" indent="-317500">
@@ -6381,16 +6294,16 @@
                 <a:schemeClr val="dk2"/>
               </a:buClr>
               <a:buSzPts val="1400"/>
-              <a:buFont typeface="Open Sans"/>
+              <a:buFont typeface="Open Sans" panose="020B0606030504020204"/>
               <a:buChar char="○"/>
               <a:defRPr>
                 <a:solidFill>
                   <a:schemeClr val="dk2"/>
                 </a:solidFill>
-                <a:latin typeface="Open Sans"/>
-                <a:ea typeface="Open Sans"/>
-                <a:cs typeface="Open Sans"/>
-                <a:sym typeface="Open Sans"/>
+                <a:latin typeface="Open Sans" panose="020B0606030504020204"/>
+                <a:ea typeface="Open Sans" panose="020B0606030504020204"/>
+                <a:cs typeface="Open Sans" panose="020B0606030504020204"/>
+                <a:sym typeface="Open Sans" panose="020B0606030504020204"/>
               </a:defRPr>
             </a:lvl5pPr>
             <a:lvl6pPr marL="2743200" lvl="5" indent="-317500">
@@ -6407,16 +6320,16 @@
                 <a:schemeClr val="dk2"/>
               </a:buClr>
               <a:buSzPts val="1400"/>
-              <a:buFont typeface="Open Sans"/>
+              <a:buFont typeface="Open Sans" panose="020B0606030504020204"/>
               <a:buChar char="■"/>
               <a:defRPr>
                 <a:solidFill>
                   <a:schemeClr val="dk2"/>
                 </a:solidFill>
-                <a:latin typeface="Open Sans"/>
-                <a:ea typeface="Open Sans"/>
-                <a:cs typeface="Open Sans"/>
-                <a:sym typeface="Open Sans"/>
+                <a:latin typeface="Open Sans" panose="020B0606030504020204"/>
+                <a:ea typeface="Open Sans" panose="020B0606030504020204"/>
+                <a:cs typeface="Open Sans" panose="020B0606030504020204"/>
+                <a:sym typeface="Open Sans" panose="020B0606030504020204"/>
               </a:defRPr>
             </a:lvl6pPr>
             <a:lvl7pPr marL="3200400" lvl="6" indent="-317500">
@@ -6433,16 +6346,16 @@
                 <a:schemeClr val="dk2"/>
               </a:buClr>
               <a:buSzPts val="1400"/>
-              <a:buFont typeface="Open Sans"/>
+              <a:buFont typeface="Open Sans" panose="020B0606030504020204"/>
               <a:buChar char="●"/>
               <a:defRPr>
                 <a:solidFill>
                   <a:schemeClr val="dk2"/>
                 </a:solidFill>
-                <a:latin typeface="Open Sans"/>
-                <a:ea typeface="Open Sans"/>
-                <a:cs typeface="Open Sans"/>
-                <a:sym typeface="Open Sans"/>
+                <a:latin typeface="Open Sans" panose="020B0606030504020204"/>
+                <a:ea typeface="Open Sans" panose="020B0606030504020204"/>
+                <a:cs typeface="Open Sans" panose="020B0606030504020204"/>
+                <a:sym typeface="Open Sans" panose="020B0606030504020204"/>
               </a:defRPr>
             </a:lvl7pPr>
             <a:lvl8pPr marL="3657600" lvl="7" indent="-317500">
@@ -6459,16 +6372,16 @@
                 <a:schemeClr val="dk2"/>
               </a:buClr>
               <a:buSzPts val="1400"/>
-              <a:buFont typeface="Open Sans"/>
+              <a:buFont typeface="Open Sans" panose="020B0606030504020204"/>
               <a:buChar char="○"/>
               <a:defRPr>
                 <a:solidFill>
                   <a:schemeClr val="dk2"/>
                 </a:solidFill>
-                <a:latin typeface="Open Sans"/>
-                <a:ea typeface="Open Sans"/>
-                <a:cs typeface="Open Sans"/>
-                <a:sym typeface="Open Sans"/>
+                <a:latin typeface="Open Sans" panose="020B0606030504020204"/>
+                <a:ea typeface="Open Sans" panose="020B0606030504020204"/>
+                <a:cs typeface="Open Sans" panose="020B0606030504020204"/>
+                <a:sym typeface="Open Sans" panose="020B0606030504020204"/>
               </a:defRPr>
             </a:lvl8pPr>
             <a:lvl9pPr marL="4114800" lvl="8" indent="-317500">
@@ -6485,22 +6398,20 @@
                 <a:schemeClr val="dk2"/>
               </a:buClr>
               <a:buSzPts val="1400"/>
-              <a:buFont typeface="Open Sans"/>
+              <a:buFont typeface="Open Sans" panose="020B0606030504020204"/>
               <a:buChar char="■"/>
               <a:defRPr>
                 <a:solidFill>
                   <a:schemeClr val="dk2"/>
                 </a:solidFill>
-                <a:latin typeface="Open Sans"/>
-                <a:ea typeface="Open Sans"/>
-                <a:cs typeface="Open Sans"/>
-                <a:sym typeface="Open Sans"/>
+                <a:latin typeface="Open Sans" panose="020B0606030504020204"/>
+                <a:ea typeface="Open Sans" panose="020B0606030504020204"/>
+                <a:cs typeface="Open Sans" panose="020B0606030504020204"/>
+                <a:sym typeface="Open Sans" panose="020B0606030504020204"/>
               </a:defRPr>
             </a:lvl9pPr>
           </a:lstStyle>
-          <a:p>
-            <a:endParaRPr/>
-          </a:p>
+          <a:p/>
         </p:txBody>
       </p:sp>
       <p:sp>
@@ -6537,10 +6448,10 @@
                 <a:solidFill>
                   <a:schemeClr val="dk2"/>
                 </a:solidFill>
-                <a:latin typeface="Open Sans"/>
-                <a:ea typeface="Open Sans"/>
-                <a:cs typeface="Open Sans"/>
-                <a:sym typeface="Open Sans"/>
+                <a:latin typeface="Open Sans" panose="020B0606030504020204"/>
+                <a:ea typeface="Open Sans" panose="020B0606030504020204"/>
+                <a:cs typeface="Open Sans" panose="020B0606030504020204"/>
+                <a:sym typeface="Open Sans" panose="020B0606030504020204"/>
               </a:defRPr>
             </a:lvl1pPr>
             <a:lvl2pPr lvl="1" algn="r">
@@ -6549,10 +6460,10 @@
                 <a:solidFill>
                   <a:schemeClr val="dk2"/>
                 </a:solidFill>
-                <a:latin typeface="Open Sans"/>
-                <a:ea typeface="Open Sans"/>
-                <a:cs typeface="Open Sans"/>
-                <a:sym typeface="Open Sans"/>
+                <a:latin typeface="Open Sans" panose="020B0606030504020204"/>
+                <a:ea typeface="Open Sans" panose="020B0606030504020204"/>
+                <a:cs typeface="Open Sans" panose="020B0606030504020204"/>
+                <a:sym typeface="Open Sans" panose="020B0606030504020204"/>
               </a:defRPr>
             </a:lvl2pPr>
             <a:lvl3pPr lvl="2" algn="r">
@@ -6561,10 +6472,10 @@
                 <a:solidFill>
                   <a:schemeClr val="dk2"/>
                 </a:solidFill>
-                <a:latin typeface="Open Sans"/>
-                <a:ea typeface="Open Sans"/>
-                <a:cs typeface="Open Sans"/>
-                <a:sym typeface="Open Sans"/>
+                <a:latin typeface="Open Sans" panose="020B0606030504020204"/>
+                <a:ea typeface="Open Sans" panose="020B0606030504020204"/>
+                <a:cs typeface="Open Sans" panose="020B0606030504020204"/>
+                <a:sym typeface="Open Sans" panose="020B0606030504020204"/>
               </a:defRPr>
             </a:lvl3pPr>
             <a:lvl4pPr lvl="3" algn="r">
@@ -6573,10 +6484,10 @@
                 <a:solidFill>
                   <a:schemeClr val="dk2"/>
                 </a:solidFill>
-                <a:latin typeface="Open Sans"/>
-                <a:ea typeface="Open Sans"/>
-                <a:cs typeface="Open Sans"/>
-                <a:sym typeface="Open Sans"/>
+                <a:latin typeface="Open Sans" panose="020B0606030504020204"/>
+                <a:ea typeface="Open Sans" panose="020B0606030504020204"/>
+                <a:cs typeface="Open Sans" panose="020B0606030504020204"/>
+                <a:sym typeface="Open Sans" panose="020B0606030504020204"/>
               </a:defRPr>
             </a:lvl4pPr>
             <a:lvl5pPr lvl="4" algn="r">
@@ -6585,10 +6496,10 @@
                 <a:solidFill>
                   <a:schemeClr val="dk2"/>
                 </a:solidFill>
-                <a:latin typeface="Open Sans"/>
-                <a:ea typeface="Open Sans"/>
-                <a:cs typeface="Open Sans"/>
-                <a:sym typeface="Open Sans"/>
+                <a:latin typeface="Open Sans" panose="020B0606030504020204"/>
+                <a:ea typeface="Open Sans" panose="020B0606030504020204"/>
+                <a:cs typeface="Open Sans" panose="020B0606030504020204"/>
+                <a:sym typeface="Open Sans" panose="020B0606030504020204"/>
               </a:defRPr>
             </a:lvl5pPr>
             <a:lvl6pPr lvl="5" algn="r">
@@ -6597,10 +6508,10 @@
                 <a:solidFill>
                   <a:schemeClr val="dk2"/>
                 </a:solidFill>
-                <a:latin typeface="Open Sans"/>
-                <a:ea typeface="Open Sans"/>
-                <a:cs typeface="Open Sans"/>
-                <a:sym typeface="Open Sans"/>
+                <a:latin typeface="Open Sans" panose="020B0606030504020204"/>
+                <a:ea typeface="Open Sans" panose="020B0606030504020204"/>
+                <a:cs typeface="Open Sans" panose="020B0606030504020204"/>
+                <a:sym typeface="Open Sans" panose="020B0606030504020204"/>
               </a:defRPr>
             </a:lvl6pPr>
             <a:lvl7pPr lvl="6" algn="r">
@@ -6609,10 +6520,10 @@
                 <a:solidFill>
                   <a:schemeClr val="dk2"/>
                 </a:solidFill>
-                <a:latin typeface="Open Sans"/>
-                <a:ea typeface="Open Sans"/>
-                <a:cs typeface="Open Sans"/>
-                <a:sym typeface="Open Sans"/>
+                <a:latin typeface="Open Sans" panose="020B0606030504020204"/>
+                <a:ea typeface="Open Sans" panose="020B0606030504020204"/>
+                <a:cs typeface="Open Sans" panose="020B0606030504020204"/>
+                <a:sym typeface="Open Sans" panose="020B0606030504020204"/>
               </a:defRPr>
             </a:lvl7pPr>
             <a:lvl8pPr lvl="7" algn="r">
@@ -6621,10 +6532,10 @@
                 <a:solidFill>
                   <a:schemeClr val="dk2"/>
                 </a:solidFill>
-                <a:latin typeface="Open Sans"/>
-                <a:ea typeface="Open Sans"/>
-                <a:cs typeface="Open Sans"/>
-                <a:sym typeface="Open Sans"/>
+                <a:latin typeface="Open Sans" panose="020B0606030504020204"/>
+                <a:ea typeface="Open Sans" panose="020B0606030504020204"/>
+                <a:cs typeface="Open Sans" panose="020B0606030504020204"/>
+                <a:sym typeface="Open Sans" panose="020B0606030504020204"/>
               </a:defRPr>
             </a:lvl8pPr>
             <a:lvl9pPr lvl="8" algn="r">
@@ -6633,10 +6544,10 @@
                 <a:solidFill>
                   <a:schemeClr val="dk2"/>
                 </a:solidFill>
-                <a:latin typeface="Open Sans"/>
-                <a:ea typeface="Open Sans"/>
-                <a:cs typeface="Open Sans"/>
-                <a:sym typeface="Open Sans"/>
+                <a:latin typeface="Open Sans" panose="020B0606030504020204"/>
+                <a:ea typeface="Open Sans" panose="020B0606030504020204"/>
+                <a:cs typeface="Open Sans" panose="020B0606030504020204"/>
+                <a:sym typeface="Open Sans" panose="020B0606030504020204"/>
               </a:defRPr>
             </a:lvl9pPr>
           </a:lstStyle>
@@ -6651,10 +6562,9 @@
               <a:buNone/>
             </a:pPr>
             <a:fld id="{00000000-1234-1234-1234-123412341234}" type="slidenum">
-              <a:rPr lang="en"/>
-              <a:t>‹#›</a:t>
+              <a:rPr lang="en-GB"/>
             </a:fld>
-            <a:endParaRPr/>
+            <a:endParaRPr lang="en-GB"/>
           </a:p>
         </p:txBody>
       </p:sp>
@@ -6662,17 +6572,17 @@
   </p:cSld>
   <p:clrMap bg1="lt1" tx1="dk1" bg2="dk2" tx2="lt2" accent1="accent1" accent2="accent2" accent3="accent3" accent4="accent4" accent5="accent5" accent6="accent6" hlink="hlink" folHlink="folHlink"/>
   <p:sldLayoutIdLst>
-    <p:sldLayoutId id="2147483648" r:id="rId1"/>
-    <p:sldLayoutId id="2147483649" r:id="rId2"/>
-    <p:sldLayoutId id="2147483650" r:id="rId3"/>
-    <p:sldLayoutId id="2147483651" r:id="rId4"/>
-    <p:sldLayoutId id="2147483652" r:id="rId5"/>
-    <p:sldLayoutId id="2147483653" r:id="rId6"/>
-    <p:sldLayoutId id="2147483654" r:id="rId7"/>
-    <p:sldLayoutId id="2147483655" r:id="rId8"/>
-    <p:sldLayoutId id="2147483656" r:id="rId9"/>
-    <p:sldLayoutId id="2147483657" r:id="rId10"/>
-    <p:sldLayoutId id="2147483658" r:id="rId11"/>
+    <p:sldLayoutId id="2147483649" r:id="rId1"/>
+    <p:sldLayoutId id="2147483650" r:id="rId2"/>
+    <p:sldLayoutId id="2147483651" r:id="rId3"/>
+    <p:sldLayoutId id="2147483652" r:id="rId4"/>
+    <p:sldLayoutId id="2147483653" r:id="rId5"/>
+    <p:sldLayoutId id="2147483654" r:id="rId6"/>
+    <p:sldLayoutId id="2147483655" r:id="rId7"/>
+    <p:sldLayoutId id="2147483656" r:id="rId8"/>
+    <p:sldLayoutId id="2147483657" r:id="rId9"/>
+    <p:sldLayoutId id="2147483658" r:id="rId10"/>
+    <p:sldLayoutId id="2147483659" r:id="rId11"/>
   </p:sldLayoutIdLst>
   <p:hf sldNum="0" hdr="0" ftr="0" dt="0"/>
   <p:txStyles>
@@ -6701,15 +6611,15 @@
         <a:buClr>
           <a:srgbClr val="000000"/>
         </a:buClr>
-        <a:buFont typeface="Arial"/>
+        <a:buFont typeface="Arial" panose="020B0604020202020204"/>
         <a:defRPr sz="1400" b="0" i="0" u="none" strike="noStrike" cap="none">
           <a:solidFill>
             <a:srgbClr val="000000"/>
           </a:solidFill>
-          <a:latin typeface="Arial"/>
-          <a:ea typeface="Arial"/>
-          <a:cs typeface="Arial"/>
-          <a:sym typeface="Arial"/>
+          <a:latin typeface="Arial" panose="020B0604020202020204"/>
+          <a:ea typeface="Arial" panose="020B0604020202020204"/>
+          <a:cs typeface="Arial" panose="020B0604020202020204"/>
+          <a:sym typeface="Arial" panose="020B0604020202020204"/>
         </a:defRPr>
       </a:lvl1pPr>
       <a:lvl2pPr marR="0" lvl="1" algn="l" rtl="0">
@@ -6725,15 +6635,15 @@
         <a:buClr>
           <a:srgbClr val="000000"/>
         </a:buClr>
-        <a:buFont typeface="Arial"/>
+        <a:buFont typeface="Arial" panose="020B0604020202020204"/>
         <a:defRPr sz="1400" b="0" i="0" u="none" strike="noStrike" cap="none">
           <a:solidFill>
             <a:srgbClr val="000000"/>
           </a:solidFill>
-          <a:latin typeface="Arial"/>
-          <a:ea typeface="Arial"/>
-          <a:cs typeface="Arial"/>
-          <a:sym typeface="Arial"/>
+          <a:latin typeface="Arial" panose="020B0604020202020204"/>
+          <a:ea typeface="Arial" panose="020B0604020202020204"/>
+          <a:cs typeface="Arial" panose="020B0604020202020204"/>
+          <a:sym typeface="Arial" panose="020B0604020202020204"/>
         </a:defRPr>
       </a:lvl2pPr>
       <a:lvl3pPr marR="0" lvl="2" algn="l" rtl="0">
@@ -6749,15 +6659,15 @@
         <a:buClr>
           <a:srgbClr val="000000"/>
         </a:buClr>
-        <a:buFont typeface="Arial"/>
+        <a:buFont typeface="Arial" panose="020B0604020202020204"/>
         <a:defRPr sz="1400" b="0" i="0" u="none" strike="noStrike" cap="none">
           <a:solidFill>
             <a:srgbClr val="000000"/>
           </a:solidFill>
-          <a:latin typeface="Arial"/>
-          <a:ea typeface="Arial"/>
-          <a:cs typeface="Arial"/>
-          <a:sym typeface="Arial"/>
+          <a:latin typeface="Arial" panose="020B0604020202020204"/>
+          <a:ea typeface="Arial" panose="020B0604020202020204"/>
+          <a:cs typeface="Arial" panose="020B0604020202020204"/>
+          <a:sym typeface="Arial" panose="020B0604020202020204"/>
         </a:defRPr>
       </a:lvl3pPr>
       <a:lvl4pPr marR="0" lvl="3" algn="l" rtl="0">
@@ -6773,15 +6683,15 @@
         <a:buClr>
           <a:srgbClr val="000000"/>
         </a:buClr>
-        <a:buFont typeface="Arial"/>
+        <a:buFont typeface="Arial" panose="020B0604020202020204"/>
         <a:defRPr sz="1400" b="0" i="0" u="none" strike="noStrike" cap="none">
           <a:solidFill>
             <a:srgbClr val="000000"/>
           </a:solidFill>
-          <a:latin typeface="Arial"/>
-          <a:ea typeface="Arial"/>
-          <a:cs typeface="Arial"/>
-          <a:sym typeface="Arial"/>
+          <a:latin typeface="Arial" panose="020B0604020202020204"/>
+          <a:ea typeface="Arial" panose="020B0604020202020204"/>
+          <a:cs typeface="Arial" panose="020B0604020202020204"/>
+          <a:sym typeface="Arial" panose="020B0604020202020204"/>
         </a:defRPr>
       </a:lvl4pPr>
       <a:lvl5pPr marR="0" lvl="4" algn="l" rtl="0">
@@ -6797,15 +6707,15 @@
         <a:buClr>
           <a:srgbClr val="000000"/>
         </a:buClr>
-        <a:buFont typeface="Arial"/>
+        <a:buFont typeface="Arial" panose="020B0604020202020204"/>
         <a:defRPr sz="1400" b="0" i="0" u="none" strike="noStrike" cap="none">
           <a:solidFill>
             <a:srgbClr val="000000"/>
           </a:solidFill>
-          <a:latin typeface="Arial"/>
-          <a:ea typeface="Arial"/>
-          <a:cs typeface="Arial"/>
-          <a:sym typeface="Arial"/>
+          <a:latin typeface="Arial" panose="020B0604020202020204"/>
+          <a:ea typeface="Arial" panose="020B0604020202020204"/>
+          <a:cs typeface="Arial" panose="020B0604020202020204"/>
+          <a:sym typeface="Arial" panose="020B0604020202020204"/>
         </a:defRPr>
       </a:lvl5pPr>
       <a:lvl6pPr marR="0" lvl="5" algn="l" rtl="0">
@@ -6821,15 +6731,15 @@
         <a:buClr>
           <a:srgbClr val="000000"/>
         </a:buClr>
-        <a:buFont typeface="Arial"/>
+        <a:buFont typeface="Arial" panose="020B0604020202020204"/>
         <a:defRPr sz="1400" b="0" i="0" u="none" strike="noStrike" cap="none">
           <a:solidFill>
             <a:srgbClr val="000000"/>
           </a:solidFill>
-          <a:latin typeface="Arial"/>
-          <a:ea typeface="Arial"/>
-          <a:cs typeface="Arial"/>
-          <a:sym typeface="Arial"/>
+          <a:latin typeface="Arial" panose="020B0604020202020204"/>
+          <a:ea typeface="Arial" panose="020B0604020202020204"/>
+          <a:cs typeface="Arial" panose="020B0604020202020204"/>
+          <a:sym typeface="Arial" panose="020B0604020202020204"/>
         </a:defRPr>
       </a:lvl6pPr>
       <a:lvl7pPr marR="0" lvl="6" algn="l" rtl="0">
@@ -6845,15 +6755,15 @@
         <a:buClr>
           <a:srgbClr val="000000"/>
         </a:buClr>
-        <a:buFont typeface="Arial"/>
+        <a:buFont typeface="Arial" panose="020B0604020202020204"/>
         <a:defRPr sz="1400" b="0" i="0" u="none" strike="noStrike" cap="none">
           <a:solidFill>
             <a:srgbClr val="000000"/>
           </a:solidFill>
-          <a:latin typeface="Arial"/>
-          <a:ea typeface="Arial"/>
-          <a:cs typeface="Arial"/>
-          <a:sym typeface="Arial"/>
+          <a:latin typeface="Arial" panose="020B0604020202020204"/>
+          <a:ea typeface="Arial" panose="020B0604020202020204"/>
+          <a:cs typeface="Arial" panose="020B0604020202020204"/>
+          <a:sym typeface="Arial" panose="020B0604020202020204"/>
         </a:defRPr>
       </a:lvl7pPr>
       <a:lvl8pPr marR="0" lvl="7" algn="l" rtl="0">
@@ -6869,15 +6779,15 @@
         <a:buClr>
           <a:srgbClr val="000000"/>
         </a:buClr>
-        <a:buFont typeface="Arial"/>
+        <a:buFont typeface="Arial" panose="020B0604020202020204"/>
         <a:defRPr sz="1400" b="0" i="0" u="none" strike="noStrike" cap="none">
           <a:solidFill>
             <a:srgbClr val="000000"/>
           </a:solidFill>
-          <a:latin typeface="Arial"/>
-          <a:ea typeface="Arial"/>
-          <a:cs typeface="Arial"/>
-          <a:sym typeface="Arial"/>
+          <a:latin typeface="Arial" panose="020B0604020202020204"/>
+          <a:ea typeface="Arial" panose="020B0604020202020204"/>
+          <a:cs typeface="Arial" panose="020B0604020202020204"/>
+          <a:sym typeface="Arial" panose="020B0604020202020204"/>
         </a:defRPr>
       </a:lvl8pPr>
       <a:lvl9pPr marR="0" lvl="8" algn="l" rtl="0">
@@ -6893,15 +6803,15 @@
         <a:buClr>
           <a:srgbClr val="000000"/>
         </a:buClr>
-        <a:buFont typeface="Arial"/>
+        <a:buFont typeface="Arial" panose="020B0604020202020204"/>
         <a:defRPr sz="1400" b="0" i="0" u="none" strike="noStrike" cap="none">
           <a:solidFill>
             <a:srgbClr val="000000"/>
           </a:solidFill>
-          <a:latin typeface="Arial"/>
-          <a:ea typeface="Arial"/>
-          <a:cs typeface="Arial"/>
-          <a:sym typeface="Arial"/>
+          <a:latin typeface="Arial" panose="020B0604020202020204"/>
+          <a:ea typeface="Arial" panose="020B0604020202020204"/>
+          <a:cs typeface="Arial" panose="020B0604020202020204"/>
+          <a:sym typeface="Arial" panose="020B0604020202020204"/>
         </a:defRPr>
       </a:lvl9pPr>
     </p:titleStyle>
@@ -6930,15 +6840,15 @@
         <a:buClr>
           <a:srgbClr val="000000"/>
         </a:buClr>
-        <a:buFont typeface="Arial"/>
+        <a:buFont typeface="Arial" panose="020B0604020202020204"/>
         <a:defRPr sz="1400" b="0" i="0" u="none" strike="noStrike" cap="none">
           <a:solidFill>
             <a:srgbClr val="000000"/>
           </a:solidFill>
-          <a:latin typeface="Arial"/>
-          <a:ea typeface="Arial"/>
-          <a:cs typeface="Arial"/>
-          <a:sym typeface="Arial"/>
+          <a:latin typeface="Arial" panose="020B0604020202020204"/>
+          <a:ea typeface="Arial" panose="020B0604020202020204"/>
+          <a:cs typeface="Arial" panose="020B0604020202020204"/>
+          <a:sym typeface="Arial" panose="020B0604020202020204"/>
         </a:defRPr>
       </a:lvl1pPr>
       <a:lvl2pPr marR="0" lvl="1" algn="l" rtl="0">
@@ -6954,15 +6864,15 @@
         <a:buClr>
           <a:srgbClr val="000000"/>
         </a:buClr>
-        <a:buFont typeface="Arial"/>
+        <a:buFont typeface="Arial" panose="020B0604020202020204"/>
         <a:defRPr sz="1400" b="0" i="0" u="none" strike="noStrike" cap="none">
           <a:solidFill>
             <a:srgbClr val="000000"/>
           </a:solidFill>
-          <a:latin typeface="Arial"/>
-          <a:ea typeface="Arial"/>
-          <a:cs typeface="Arial"/>
-          <a:sym typeface="Arial"/>
+          <a:latin typeface="Arial" panose="020B0604020202020204"/>
+          <a:ea typeface="Arial" panose="020B0604020202020204"/>
+          <a:cs typeface="Arial" panose="020B0604020202020204"/>
+          <a:sym typeface="Arial" panose="020B0604020202020204"/>
         </a:defRPr>
       </a:lvl2pPr>
       <a:lvl3pPr marR="0" lvl="2" algn="l" rtl="0">
@@ -6978,15 +6888,15 @@
         <a:buClr>
           <a:srgbClr val="000000"/>
         </a:buClr>
-        <a:buFont typeface="Arial"/>
+        <a:buFont typeface="Arial" panose="020B0604020202020204"/>
         <a:defRPr sz="1400" b="0" i="0" u="none" strike="noStrike" cap="none">
           <a:solidFill>
             <a:srgbClr val="000000"/>
           </a:solidFill>
-          <a:latin typeface="Arial"/>
-          <a:ea typeface="Arial"/>
-          <a:cs typeface="Arial"/>
-          <a:sym typeface="Arial"/>
+          <a:latin typeface="Arial" panose="020B0604020202020204"/>
+          <a:ea typeface="Arial" panose="020B0604020202020204"/>
+          <a:cs typeface="Arial" panose="020B0604020202020204"/>
+          <a:sym typeface="Arial" panose="020B0604020202020204"/>
         </a:defRPr>
       </a:lvl3pPr>
       <a:lvl4pPr marR="0" lvl="3" algn="l" rtl="0">
@@ -7002,15 +6912,15 @@
         <a:buClr>
           <a:srgbClr val="000000"/>
         </a:buClr>
-        <a:buFont typeface="Arial"/>
+        <a:buFont typeface="Arial" panose="020B0604020202020204"/>
         <a:defRPr sz="1400" b="0" i="0" u="none" strike="noStrike" cap="none">
           <a:solidFill>
             <a:srgbClr val="000000"/>
           </a:solidFill>
-          <a:latin typeface="Arial"/>
-          <a:ea typeface="Arial"/>
-          <a:cs typeface="Arial"/>
-          <a:sym typeface="Arial"/>
+          <a:latin typeface="Arial" panose="020B0604020202020204"/>
+          <a:ea typeface="Arial" panose="020B0604020202020204"/>
+          <a:cs typeface="Arial" panose="020B0604020202020204"/>
+          <a:sym typeface="Arial" panose="020B0604020202020204"/>
         </a:defRPr>
       </a:lvl4pPr>
       <a:lvl5pPr marR="0" lvl="4" algn="l" rtl="0">
@@ -7026,15 +6936,15 @@
         <a:buClr>
           <a:srgbClr val="000000"/>
         </a:buClr>
-        <a:buFont typeface="Arial"/>
+        <a:buFont typeface="Arial" panose="020B0604020202020204"/>
         <a:defRPr sz="1400" b="0" i="0" u="none" strike="noStrike" cap="none">
           <a:solidFill>
             <a:srgbClr val="000000"/>
           </a:solidFill>
-          <a:latin typeface="Arial"/>
-          <a:ea typeface="Arial"/>
-          <a:cs typeface="Arial"/>
-          <a:sym typeface="Arial"/>
+          <a:latin typeface="Arial" panose="020B0604020202020204"/>
+          <a:ea typeface="Arial" panose="020B0604020202020204"/>
+          <a:cs typeface="Arial" panose="020B0604020202020204"/>
+          <a:sym typeface="Arial" panose="020B0604020202020204"/>
         </a:defRPr>
       </a:lvl5pPr>
       <a:lvl6pPr marR="0" lvl="5" algn="l" rtl="0">
@@ -7050,15 +6960,15 @@
         <a:buClr>
           <a:srgbClr val="000000"/>
         </a:buClr>
-        <a:buFont typeface="Arial"/>
+        <a:buFont typeface="Arial" panose="020B0604020202020204"/>
         <a:defRPr sz="1400" b="0" i="0" u="none" strike="noStrike" cap="none">
           <a:solidFill>
             <a:srgbClr val="000000"/>
           </a:solidFill>
-          <a:latin typeface="Arial"/>
-          <a:ea typeface="Arial"/>
-          <a:cs typeface="Arial"/>
-          <a:sym typeface="Arial"/>
+          <a:latin typeface="Arial" panose="020B0604020202020204"/>
+          <a:ea typeface="Arial" panose="020B0604020202020204"/>
+          <a:cs typeface="Arial" panose="020B0604020202020204"/>
+          <a:sym typeface="Arial" panose="020B0604020202020204"/>
         </a:defRPr>
       </a:lvl6pPr>
       <a:lvl7pPr marR="0" lvl="6" algn="l" rtl="0">
@@ -7074,15 +6984,15 @@
         <a:buClr>
           <a:srgbClr val="000000"/>
         </a:buClr>
-        <a:buFont typeface="Arial"/>
+        <a:buFont typeface="Arial" panose="020B0604020202020204"/>
         <a:defRPr sz="1400" b="0" i="0" u="none" strike="noStrike" cap="none">
           <a:solidFill>
             <a:srgbClr val="000000"/>
           </a:solidFill>
-          <a:latin typeface="Arial"/>
-          <a:ea typeface="Arial"/>
-          <a:cs typeface="Arial"/>
-          <a:sym typeface="Arial"/>
+          <a:latin typeface="Arial" panose="020B0604020202020204"/>
+          <a:ea typeface="Arial" panose="020B0604020202020204"/>
+          <a:cs typeface="Arial" panose="020B0604020202020204"/>
+          <a:sym typeface="Arial" panose="020B0604020202020204"/>
         </a:defRPr>
       </a:lvl7pPr>
       <a:lvl8pPr marR="0" lvl="7" algn="l" rtl="0">
@@ -7098,15 +7008,15 @@
         <a:buClr>
           <a:srgbClr val="000000"/>
         </a:buClr>
-        <a:buFont typeface="Arial"/>
+        <a:buFont typeface="Arial" panose="020B0604020202020204"/>
         <a:defRPr sz="1400" b="0" i="0" u="none" strike="noStrike" cap="none">
           <a:solidFill>
             <a:srgbClr val="000000"/>
           </a:solidFill>
-          <a:latin typeface="Arial"/>
-          <a:ea typeface="Arial"/>
-          <a:cs typeface="Arial"/>
-          <a:sym typeface="Arial"/>
+          <a:latin typeface="Arial" panose="020B0604020202020204"/>
+          <a:ea typeface="Arial" panose="020B0604020202020204"/>
+          <a:cs typeface="Arial" panose="020B0604020202020204"/>
+          <a:sym typeface="Arial" panose="020B0604020202020204"/>
         </a:defRPr>
       </a:lvl8pPr>
       <a:lvl9pPr marR="0" lvl="8" algn="l" rtl="0">
@@ -7122,15 +7032,15 @@
         <a:buClr>
           <a:srgbClr val="000000"/>
         </a:buClr>
-        <a:buFont typeface="Arial"/>
+        <a:buFont typeface="Arial" panose="020B0604020202020204"/>
         <a:defRPr sz="1400" b="0" i="0" u="none" strike="noStrike" cap="none">
           <a:solidFill>
             <a:srgbClr val="000000"/>
           </a:solidFill>
-          <a:latin typeface="Arial"/>
-          <a:ea typeface="Arial"/>
-          <a:cs typeface="Arial"/>
-          <a:sym typeface="Arial"/>
+          <a:latin typeface="Arial" panose="020B0604020202020204"/>
+          <a:ea typeface="Arial" panose="020B0604020202020204"/>
+          <a:cs typeface="Arial" panose="020B0604020202020204"/>
+          <a:sym typeface="Arial" panose="020B0604020202020204"/>
         </a:defRPr>
       </a:lvl9pPr>
     </p:bodyStyle>
@@ -7159,15 +7069,15 @@
         <a:buClr>
           <a:srgbClr val="000000"/>
         </a:buClr>
-        <a:buFont typeface="Arial"/>
+        <a:buFont typeface="Arial" panose="020B0604020202020204"/>
         <a:defRPr sz="1400" b="0" i="0" u="none" strike="noStrike" cap="none">
           <a:solidFill>
             <a:srgbClr val="000000"/>
           </a:solidFill>
-          <a:latin typeface="Arial"/>
-          <a:ea typeface="Arial"/>
-          <a:cs typeface="Arial"/>
-          <a:sym typeface="Arial"/>
+          <a:latin typeface="Arial" panose="020B0604020202020204"/>
+          <a:ea typeface="Arial" panose="020B0604020202020204"/>
+          <a:cs typeface="Arial" panose="020B0604020202020204"/>
+          <a:sym typeface="Arial" panose="020B0604020202020204"/>
         </a:defRPr>
       </a:lvl1pPr>
       <a:lvl2pPr marR="0" lvl="1" algn="l" rtl="0">
@@ -7183,15 +7093,15 @@
         <a:buClr>
           <a:srgbClr val="000000"/>
         </a:buClr>
-        <a:buFont typeface="Arial"/>
+        <a:buFont typeface="Arial" panose="020B0604020202020204"/>
         <a:defRPr sz="1400" b="0" i="0" u="none" strike="noStrike" cap="none">
           <a:solidFill>
             <a:srgbClr val="000000"/>
           </a:solidFill>
-          <a:latin typeface="Arial"/>
-          <a:ea typeface="Arial"/>
-          <a:cs typeface="Arial"/>
-          <a:sym typeface="Arial"/>
+          <a:latin typeface="Arial" panose="020B0604020202020204"/>
+          <a:ea typeface="Arial" panose="020B0604020202020204"/>
+          <a:cs typeface="Arial" panose="020B0604020202020204"/>
+          <a:sym typeface="Arial" panose="020B0604020202020204"/>
         </a:defRPr>
       </a:lvl2pPr>
       <a:lvl3pPr marR="0" lvl="2" algn="l" rtl="0">
@@ -7207,15 +7117,15 @@
         <a:buClr>
           <a:srgbClr val="000000"/>
         </a:buClr>
-        <a:buFont typeface="Arial"/>
+        <a:buFont typeface="Arial" panose="020B0604020202020204"/>
         <a:defRPr sz="1400" b="0" i="0" u="none" strike="noStrike" cap="none">
           <a:solidFill>
             <a:srgbClr val="000000"/>
           </a:solidFill>
-          <a:latin typeface="Arial"/>
-          <a:ea typeface="Arial"/>
-          <a:cs typeface="Arial"/>
-          <a:sym typeface="Arial"/>
+          <a:latin typeface="Arial" panose="020B0604020202020204"/>
+          <a:ea typeface="Arial" panose="020B0604020202020204"/>
+          <a:cs typeface="Arial" panose="020B0604020202020204"/>
+          <a:sym typeface="Arial" panose="020B0604020202020204"/>
         </a:defRPr>
       </a:lvl3pPr>
       <a:lvl4pPr marR="0" lvl="3" algn="l" rtl="0">
@@ -7231,15 +7141,15 @@
         <a:buClr>
           <a:srgbClr val="000000"/>
         </a:buClr>
-        <a:buFont typeface="Arial"/>
+        <a:buFont typeface="Arial" panose="020B0604020202020204"/>
         <a:defRPr sz="1400" b="0" i="0" u="none" strike="noStrike" cap="none">
           <a:solidFill>
             <a:srgbClr val="000000"/>
           </a:solidFill>
-          <a:latin typeface="Arial"/>
-          <a:ea typeface="Arial"/>
-          <a:cs typeface="Arial"/>
-          <a:sym typeface="Arial"/>
+          <a:latin typeface="Arial" panose="020B0604020202020204"/>
+          <a:ea typeface="Arial" panose="020B0604020202020204"/>
+          <a:cs typeface="Arial" panose="020B0604020202020204"/>
+          <a:sym typeface="Arial" panose="020B0604020202020204"/>
         </a:defRPr>
       </a:lvl4pPr>
       <a:lvl5pPr marR="0" lvl="4" algn="l" rtl="0">
@@ -7255,15 +7165,15 @@
         <a:buClr>
           <a:srgbClr val="000000"/>
         </a:buClr>
-        <a:buFont typeface="Arial"/>
+        <a:buFont typeface="Arial" panose="020B0604020202020204"/>
         <a:defRPr sz="1400" b="0" i="0" u="none" strike="noStrike" cap="none">
           <a:solidFill>
             <a:srgbClr val="000000"/>
           </a:solidFill>
-          <a:latin typeface="Arial"/>
-          <a:ea typeface="Arial"/>
-          <a:cs typeface="Arial"/>
-          <a:sym typeface="Arial"/>
+          <a:latin typeface="Arial" panose="020B0604020202020204"/>
+          <a:ea typeface="Arial" panose="020B0604020202020204"/>
+          <a:cs typeface="Arial" panose="020B0604020202020204"/>
+          <a:sym typeface="Arial" panose="020B0604020202020204"/>
         </a:defRPr>
       </a:lvl5pPr>
       <a:lvl6pPr marR="0" lvl="5" algn="l" rtl="0">
@@ -7279,15 +7189,15 @@
         <a:buClr>
           <a:srgbClr val="000000"/>
         </a:buClr>
-        <a:buFont typeface="Arial"/>
+        <a:buFont typeface="Arial" panose="020B0604020202020204"/>
         <a:defRPr sz="1400" b="0" i="0" u="none" strike="noStrike" cap="none">
           <a:solidFill>
             <a:srgbClr val="000000"/>
           </a:solidFill>
-          <a:latin typeface="Arial"/>
-          <a:ea typeface="Arial"/>
-          <a:cs typeface="Arial"/>
-          <a:sym typeface="Arial"/>
+          <a:latin typeface="Arial" panose="020B0604020202020204"/>
+          <a:ea typeface="Arial" panose="020B0604020202020204"/>
+          <a:cs typeface="Arial" panose="020B0604020202020204"/>
+          <a:sym typeface="Arial" panose="020B0604020202020204"/>
         </a:defRPr>
       </a:lvl6pPr>
       <a:lvl7pPr marR="0" lvl="6" algn="l" rtl="0">
@@ -7303,15 +7213,15 @@
         <a:buClr>
           <a:srgbClr val="000000"/>
         </a:buClr>
-        <a:buFont typeface="Arial"/>
+        <a:buFont typeface="Arial" panose="020B0604020202020204"/>
         <a:defRPr sz="1400" b="0" i="0" u="none" strike="noStrike" cap="none">
           <a:solidFill>
             <a:srgbClr val="000000"/>
           </a:solidFill>
-          <a:latin typeface="Arial"/>
-          <a:ea typeface="Arial"/>
-          <a:cs typeface="Arial"/>
-          <a:sym typeface="Arial"/>
+          <a:latin typeface="Arial" panose="020B0604020202020204"/>
+          <a:ea typeface="Arial" panose="020B0604020202020204"/>
+          <a:cs typeface="Arial" panose="020B0604020202020204"/>
+          <a:sym typeface="Arial" panose="020B0604020202020204"/>
         </a:defRPr>
       </a:lvl7pPr>
       <a:lvl8pPr marR="0" lvl="7" algn="l" rtl="0">
@@ -7327,15 +7237,15 @@
         <a:buClr>
           <a:srgbClr val="000000"/>
         </a:buClr>
-        <a:buFont typeface="Arial"/>
+        <a:buFont typeface="Arial" panose="020B0604020202020204"/>
         <a:defRPr sz="1400" b="0" i="0" u="none" strike="noStrike" cap="none">
           <a:solidFill>
             <a:srgbClr val="000000"/>
           </a:solidFill>
-          <a:latin typeface="Arial"/>
-          <a:ea typeface="Arial"/>
-          <a:cs typeface="Arial"/>
-          <a:sym typeface="Arial"/>
+          <a:latin typeface="Arial" panose="020B0604020202020204"/>
+          <a:ea typeface="Arial" panose="020B0604020202020204"/>
+          <a:cs typeface="Arial" panose="020B0604020202020204"/>
+          <a:sym typeface="Arial" panose="020B0604020202020204"/>
         </a:defRPr>
       </a:lvl8pPr>
       <a:lvl9pPr marR="0" lvl="8" algn="l" rtl="0">
@@ -7351,15 +7261,15 @@
         <a:buClr>
           <a:srgbClr val="000000"/>
         </a:buClr>
-        <a:buFont typeface="Arial"/>
+        <a:buFont typeface="Arial" panose="020B0604020202020204"/>
         <a:defRPr sz="1400" b="0" i="0" u="none" strike="noStrike" cap="none">
           <a:solidFill>
             <a:srgbClr val="000000"/>
           </a:solidFill>
-          <a:latin typeface="Arial"/>
-          <a:ea typeface="Arial"/>
-          <a:cs typeface="Arial"/>
-          <a:sym typeface="Arial"/>
+          <a:latin typeface="Arial" panose="020B0604020202020204"/>
+          <a:ea typeface="Arial" panose="020B0604020202020204"/>
+          <a:cs typeface="Arial" panose="020B0604020202020204"/>
+          <a:sym typeface="Arial" panose="020B0604020202020204"/>
         </a:defRPr>
       </a:lvl9pPr>
     </p:otherStyle>
@@ -7432,7 +7342,7 @@
             </a:r>
             <a:r>
               <a:rPr lang="en-US" sz="7200" dirty="0"/>
-              <a:t> Corona</a:t>
+              <a:t>Corona</a:t>
             </a:r>
             <a:endParaRPr sz="7200" dirty="0"/>
           </a:p>
@@ -7503,9 +7413,7 @@
           <p:nvPr/>
         </p:nvPicPr>
         <p:blipFill>
-          <a:blip r:embed="rId3">
-            <a:alphaModFix/>
-          </a:blip>
+          <a:blip r:embed="rId1"/>
           <a:stretch>
             <a:fillRect/>
           </a:stretch>
@@ -7531,9 +7439,7 @@
           <p:nvPr/>
         </p:nvPicPr>
         <p:blipFill>
-          <a:blip r:embed="rId4">
-            <a:alphaModFix/>
-          </a:blip>
+          <a:blip r:embed="rId2"/>
           <a:stretch>
             <a:fillRect/>
           </a:stretch>
@@ -7620,7 +7526,7 @@
               <a:buNone/>
             </a:pPr>
             <a:r>
-              <a:rPr lang="en" dirty="0"/>
+              <a:rPr lang="en-GB" dirty="0"/>
               <a:t>Innovation you bring in</a:t>
             </a:r>
             <a:endParaRPr dirty="0"/>
@@ -7634,9 +7540,7 @@
           <p:nvPr/>
         </p:nvPicPr>
         <p:blipFill>
-          <a:blip r:embed="rId3">
-            <a:alphaModFix/>
-          </a:blip>
+          <a:blip r:embed="rId1"/>
           <a:stretch>
             <a:fillRect/>
           </a:stretch>
@@ -7662,9 +7566,7 @@
           <p:nvPr/>
         </p:nvPicPr>
         <p:blipFill>
-          <a:blip r:embed="rId4">
-            <a:alphaModFix/>
-          </a:blip>
+          <a:blip r:embed="rId2"/>
           <a:stretch>
             <a:fillRect/>
           </a:stretch>
@@ -7685,20 +7587,14 @@
       </p:pic>
       <p:sp>
         <p:nvSpPr>
-          <p:cNvPr id="4" name="Rectangle 3">
-            <a:extLst>
-              <a:ext uri="{FF2B5EF4-FFF2-40B4-BE49-F238E27FC236}">
-                <a16:creationId xmlns:a16="http://schemas.microsoft.com/office/drawing/2014/main" id="{960BE61D-3B6F-4F78-B83D-61B34CE7F38B}"/>
-              </a:ext>
-            </a:extLst>
-          </p:cNvPr>
+          <p:cNvPr id="4" name="Rectangle 3"/>
           <p:cNvSpPr/>
           <p:nvPr/>
         </p:nvSpPr>
         <p:spPr>
           <a:xfrm>
-            <a:off x="299155" y="1685199"/>
-            <a:ext cx="5695244" cy="2339808"/>
+            <a:off x="299155" y="1310549"/>
+            <a:ext cx="5695244" cy="3767455"/>
           </a:xfrm>
           <a:prstGeom prst="rect">
             <a:avLst/>
@@ -7718,42 +7614,17 @@
                 <a:schemeClr val="dk2"/>
               </a:buClr>
               <a:buSzPts val="1800"/>
-              <a:buFont typeface="Open Sans"/>
-              <a:buChar char="●"/>
-            </a:pPr>
-            <a:r>
-              <a:rPr lang="en-US" sz="1600" dirty="0">
-                <a:solidFill>
-                  <a:schemeClr val="dk2"/>
-                </a:solidFill>
-                <a:latin typeface="Open Sans"/>
-                <a:ea typeface="Open Sans"/>
-                <a:cs typeface="Open Sans"/>
-                <a:sym typeface="Open Sans"/>
-              </a:rPr>
-              <a:t>Instantaneous money transfer and coupon collection. Hundreds of payment options including net-banking, debit cards, UPI payments etc.</a:t>
-            </a:r>
-          </a:p>
-          <a:p>
-            <a:pPr marL="457200" indent="-342900">
-              <a:lnSpc>
-                <a:spcPct val="115000"/>
-              </a:lnSpc>
-              <a:buClr>
-                <a:schemeClr val="dk2"/>
-              </a:buClr>
-              <a:buSzPts val="1800"/>
-              <a:buFont typeface="Open Sans"/>
+              <a:buFont typeface="Open Sans" panose="020B0606030504020204"/>
               <a:buChar char="●"/>
             </a:pPr>
             <a:endParaRPr lang="en-US" sz="1600" dirty="0">
               <a:solidFill>
                 <a:schemeClr val="dk2"/>
               </a:solidFill>
-              <a:latin typeface="Open Sans"/>
-              <a:ea typeface="Open Sans"/>
-              <a:cs typeface="Open Sans"/>
-              <a:sym typeface="Open Sans"/>
+              <a:latin typeface="Open Sans" panose="020B0606030504020204"/>
+              <a:ea typeface="Open Sans" panose="020B0606030504020204"/>
+              <a:cs typeface="Open Sans" panose="020B0606030504020204"/>
+              <a:sym typeface="Open Sans" panose="020B0606030504020204"/>
             </a:endParaRPr>
           </a:p>
           <a:p>
@@ -7765,7 +7636,7 @@
                 <a:schemeClr val="dk2"/>
               </a:buClr>
               <a:buSzPts val="1800"/>
-              <a:buFont typeface="Open Sans"/>
+              <a:buFont typeface="Open Sans" panose="020B0606030504020204"/>
               <a:buChar char="●"/>
             </a:pPr>
             <a:r>
@@ -7773,34 +7644,21 @@
                 <a:solidFill>
                   <a:schemeClr val="dk2"/>
                 </a:solidFill>
-                <a:latin typeface="Open Sans"/>
-                <a:ea typeface="Open Sans"/>
-                <a:cs typeface="Open Sans"/>
-                <a:sym typeface="Open Sans"/>
+                <a:latin typeface="Open Sans" panose="020B0606030504020204"/>
+                <a:ea typeface="Open Sans" panose="020B0606030504020204"/>
+                <a:cs typeface="Open Sans" panose="020B0606030504020204"/>
+                <a:sym typeface="Open Sans" panose="020B0606030504020204"/>
               </a:rPr>
-              <a:t>Verifies businesses before registrations. </a:t>
+              <a:t>Legally binding MoU contract, forces businesses to pay back the customer</a:t>
             </a:r>
-          </a:p>
-          <a:p>
-            <a:pPr marL="457200" indent="-342900">
-              <a:lnSpc>
-                <a:spcPct val="115000"/>
-              </a:lnSpc>
-              <a:buClr>
-                <a:schemeClr val="dk2"/>
-              </a:buClr>
-              <a:buSzPts val="1800"/>
-              <a:buFont typeface="Open Sans"/>
-              <a:buChar char="●"/>
-            </a:pPr>
             <a:endParaRPr lang="en-US" sz="1600" dirty="0">
               <a:solidFill>
                 <a:schemeClr val="dk2"/>
               </a:solidFill>
-              <a:latin typeface="Open Sans"/>
-              <a:ea typeface="Open Sans"/>
-              <a:cs typeface="Open Sans"/>
-              <a:sym typeface="Open Sans"/>
+              <a:latin typeface="Open Sans" panose="020B0606030504020204"/>
+              <a:ea typeface="Open Sans" panose="020B0606030504020204"/>
+              <a:cs typeface="Open Sans" panose="020B0606030504020204"/>
+              <a:sym typeface="Open Sans" panose="020B0606030504020204"/>
             </a:endParaRPr>
           </a:p>
           <a:p>
@@ -7812,7 +7670,29 @@
                 <a:schemeClr val="dk2"/>
               </a:buClr>
               <a:buSzPts val="1800"/>
-              <a:buFont typeface="Open Sans"/>
+              <a:buFont typeface="Open Sans" panose="020B0606030504020204"/>
+              <a:buChar char="●"/>
+            </a:pPr>
+            <a:endParaRPr lang="en-US" sz="1600" dirty="0">
+              <a:solidFill>
+                <a:schemeClr val="dk2"/>
+              </a:solidFill>
+              <a:latin typeface="Open Sans" panose="020B0606030504020204"/>
+              <a:ea typeface="Open Sans" panose="020B0606030504020204"/>
+              <a:cs typeface="Open Sans" panose="020B0606030504020204"/>
+              <a:sym typeface="Open Sans" panose="020B0606030504020204"/>
+            </a:endParaRPr>
+          </a:p>
+          <a:p>
+            <a:pPr marL="457200" indent="-342900">
+              <a:lnSpc>
+                <a:spcPct val="115000"/>
+              </a:lnSpc>
+              <a:buClr>
+                <a:schemeClr val="dk2"/>
+              </a:buClr>
+              <a:buSzPts val="1800"/>
+              <a:buFont typeface="Open Sans" panose="020B0606030504020204"/>
               <a:buChar char="●"/>
             </a:pPr>
             <a:r>
@@ -7820,32 +7700,191 @@
                 <a:solidFill>
                   <a:schemeClr val="dk2"/>
                 </a:solidFill>
-                <a:latin typeface="Open Sans"/>
-                <a:ea typeface="Open Sans"/>
-                <a:cs typeface="Open Sans"/>
-                <a:sym typeface="Open Sans"/>
+                <a:latin typeface="Open Sans" panose="020B0606030504020204"/>
+                <a:ea typeface="Open Sans" panose="020B0606030504020204"/>
+                <a:cs typeface="Open Sans" panose="020B0606030504020204"/>
+                <a:sym typeface="Open Sans" panose="020B0606030504020204"/>
               </a:rPr>
-              <a:t>Legally binding MoU contract, limits the liability of the app.</a:t>
+              <a:t>All businesses are verified before registering on the platform</a:t>
             </a:r>
+            <a:endParaRPr lang="en-US" sz="1600" dirty="0">
+              <a:solidFill>
+                <a:schemeClr val="dk2"/>
+              </a:solidFill>
+              <a:latin typeface="Open Sans" panose="020B0606030504020204"/>
+              <a:ea typeface="Open Sans" panose="020B0606030504020204"/>
+              <a:cs typeface="Open Sans" panose="020B0606030504020204"/>
+              <a:sym typeface="Open Sans" panose="020B0606030504020204"/>
+            </a:endParaRPr>
+          </a:p>
+          <a:p>
+            <a:pPr marL="457200" indent="-342900">
+              <a:lnSpc>
+                <a:spcPct val="115000"/>
+              </a:lnSpc>
+              <a:buClr>
+                <a:schemeClr val="dk2"/>
+              </a:buClr>
+              <a:buSzPts val="1800"/>
+              <a:buFont typeface="Open Sans" panose="020B0606030504020204"/>
+              <a:buChar char="●"/>
+            </a:pPr>
+            <a:endParaRPr lang="en-US" sz="1600" dirty="0">
+              <a:solidFill>
+                <a:schemeClr val="dk2"/>
+              </a:solidFill>
+              <a:latin typeface="Open Sans" panose="020B0606030504020204"/>
+              <a:ea typeface="Open Sans" panose="020B0606030504020204"/>
+              <a:cs typeface="Open Sans" panose="020B0606030504020204"/>
+              <a:sym typeface="Open Sans" panose="020B0606030504020204"/>
+            </a:endParaRPr>
+          </a:p>
+          <a:p>
+            <a:pPr marL="457200" indent="-342900">
+              <a:lnSpc>
+                <a:spcPct val="115000"/>
+              </a:lnSpc>
+              <a:buClr>
+                <a:schemeClr val="dk2"/>
+              </a:buClr>
+              <a:buSzPts val="1800"/>
+              <a:buFont typeface="Open Sans" panose="020B0606030504020204"/>
+              <a:buChar char="●"/>
+            </a:pPr>
+            <a:r>
+              <a:rPr lang="en-US" sz="1600" dirty="0">
+                <a:solidFill>
+                  <a:schemeClr val="dk2"/>
+                </a:solidFill>
+                <a:latin typeface="Open Sans" panose="020B0606030504020204"/>
+                <a:ea typeface="Open Sans" panose="020B0606030504020204"/>
+                <a:cs typeface="Open Sans" panose="020B0606030504020204"/>
+                <a:sym typeface="Open Sans" panose="020B0606030504020204"/>
+              </a:rPr>
+              <a:t>Businesses can go from zero to accepting money in just a few minutes</a:t>
+            </a:r>
+            <a:endParaRPr lang="en-US" sz="1600" dirty="0">
+              <a:solidFill>
+                <a:schemeClr val="dk2"/>
+              </a:solidFill>
+              <a:latin typeface="Open Sans" panose="020B0606030504020204"/>
+              <a:ea typeface="Open Sans" panose="020B0606030504020204"/>
+              <a:cs typeface="Open Sans" panose="020B0606030504020204"/>
+              <a:sym typeface="Open Sans" panose="020B0606030504020204"/>
+            </a:endParaRPr>
+          </a:p>
+          <a:p>
+            <a:pPr marL="457200" indent="-342900">
+              <a:lnSpc>
+                <a:spcPct val="115000"/>
+              </a:lnSpc>
+              <a:buClr>
+                <a:schemeClr val="dk2"/>
+              </a:buClr>
+              <a:buSzPts val="1800"/>
+              <a:buFont typeface="Open Sans" panose="020B0606030504020204"/>
+              <a:buChar char="●"/>
+            </a:pPr>
+            <a:endParaRPr lang="en-US" sz="1600" dirty="0">
+              <a:solidFill>
+                <a:schemeClr val="dk2"/>
+              </a:solidFill>
+              <a:latin typeface="Open Sans" panose="020B0606030504020204"/>
+              <a:ea typeface="Open Sans" panose="020B0606030504020204"/>
+              <a:cs typeface="Open Sans" panose="020B0606030504020204"/>
+              <a:sym typeface="Open Sans" panose="020B0606030504020204"/>
+            </a:endParaRPr>
+          </a:p>
+          <a:p>
+            <a:pPr marL="457200" indent="-342900">
+              <a:lnSpc>
+                <a:spcPct val="115000"/>
+              </a:lnSpc>
+              <a:buClr>
+                <a:schemeClr val="dk2"/>
+              </a:buClr>
+              <a:buSzPts val="1800"/>
+              <a:buFont typeface="Open Sans" panose="020B0606030504020204"/>
+              <a:buChar char="●"/>
+            </a:pPr>
+            <a:r>
+              <a:rPr lang="en-US" sz="1600" dirty="0">
+                <a:solidFill>
+                  <a:schemeClr val="dk2"/>
+                </a:solidFill>
+                <a:latin typeface="Open Sans" panose="020B0606030504020204"/>
+                <a:ea typeface="Open Sans" panose="020B0606030504020204"/>
+                <a:cs typeface="Open Sans" panose="020B0606030504020204"/>
+                <a:sym typeface="Open Sans" panose="020B0606030504020204"/>
+              </a:rPr>
+              <a:t>100+ Payment Methods Supported</a:t>
+            </a:r>
+            <a:endParaRPr lang="en-US" sz="1600" dirty="0">
+              <a:solidFill>
+                <a:schemeClr val="dk2"/>
+              </a:solidFill>
+              <a:latin typeface="Open Sans" panose="020B0606030504020204"/>
+              <a:ea typeface="Open Sans" panose="020B0606030504020204"/>
+              <a:cs typeface="Open Sans" panose="020B0606030504020204"/>
+              <a:sym typeface="Open Sans" panose="020B0606030504020204"/>
+            </a:endParaRPr>
+          </a:p>
+          <a:p>
+            <a:pPr marL="457200" indent="-342900">
+              <a:lnSpc>
+                <a:spcPct val="115000"/>
+              </a:lnSpc>
+              <a:buClr>
+                <a:schemeClr val="dk2"/>
+              </a:buClr>
+              <a:buSzPts val="1800"/>
+              <a:buFont typeface="Open Sans" panose="020B0606030504020204"/>
+              <a:buChar char="●"/>
+            </a:pPr>
+            <a:endParaRPr lang="en-US" sz="1600" dirty="0">
+              <a:solidFill>
+                <a:schemeClr val="dk2"/>
+              </a:solidFill>
+              <a:latin typeface="Open Sans" panose="020B0606030504020204"/>
+              <a:ea typeface="Open Sans" panose="020B0606030504020204"/>
+              <a:cs typeface="Open Sans" panose="020B0606030504020204"/>
+              <a:sym typeface="Open Sans" panose="020B0606030504020204"/>
+            </a:endParaRPr>
+          </a:p>
+          <a:p>
+            <a:pPr marL="457200" indent="-342900">
+              <a:lnSpc>
+                <a:spcPct val="115000"/>
+              </a:lnSpc>
+              <a:buClr>
+                <a:schemeClr val="dk2"/>
+              </a:buClr>
+              <a:buSzPts val="1800"/>
+              <a:buFont typeface="Open Sans" panose="020B0606030504020204"/>
+              <a:buChar char="●"/>
+            </a:pPr>
+            <a:endParaRPr lang="en-US" sz="1600" dirty="0">
+              <a:solidFill>
+                <a:schemeClr val="dk2"/>
+              </a:solidFill>
+              <a:latin typeface="Open Sans" panose="020B0606030504020204"/>
+              <a:ea typeface="Open Sans" panose="020B0606030504020204"/>
+              <a:cs typeface="Open Sans" panose="020B0606030504020204"/>
+              <a:sym typeface="Open Sans" panose="020B0606030504020204"/>
+            </a:endParaRPr>
           </a:p>
         </p:txBody>
       </p:sp>
       <p:pic>
         <p:nvPicPr>
-          <p:cNvPr id="2053" name="Picture 5">
-            <a:extLst>
-              <a:ext uri="{FF2B5EF4-FFF2-40B4-BE49-F238E27FC236}">
-                <a16:creationId xmlns:a16="http://schemas.microsoft.com/office/drawing/2014/main" id="{2F26A7B2-BD96-4AA8-ABED-E378851F50A8}"/>
-              </a:ext>
-            </a:extLst>
-          </p:cNvPr>
+          <p:cNvPr id="2053" name="Picture 5"/>
           <p:cNvPicPr>
             <a:picLocks noChangeAspect="1" noChangeArrowheads="1"/>
           </p:cNvPicPr>
           <p:nvPr/>
         </p:nvPicPr>
         <p:blipFill>
-          <a:blip r:embed="rId5">
+          <a:blip r:embed="rId3">
             <a:extLst>
               <a:ext uri="{28A0092B-C50C-407E-A947-70E740481C1C}">
                 <a14:useLocalDpi xmlns:a14="http://schemas.microsoft.com/office/drawing/2010/main" val="0"/>
@@ -7945,10 +7984,10 @@
               <a:buNone/>
             </a:pPr>
             <a:r>
-              <a:rPr lang="en"/>
+              <a:rPr lang="en-GB"/>
               <a:t>Future Aspects</a:t>
             </a:r>
-            <a:endParaRPr/>
+            <a:endParaRPr lang="en-GB"/>
           </a:p>
         </p:txBody>
       </p:sp>
@@ -7984,8 +8023,9 @@
             </a:pPr>
             <a:r>
               <a:rPr lang="en-US" dirty="0"/>
-              <a:t>With approval of the Government, we could link owner app logins to their Aadhar number to verify their identity and eliminate counterfeit accounts. </a:t>
+              <a:t>With approval of the Government, we could link owner app logins to their Aadhar number to verify their identity and eliminate counterfeit accounts </a:t>
             </a:r>
+            <a:endParaRPr lang="en-US" dirty="0"/>
           </a:p>
           <a:p>
             <a:pPr marL="285750" indent="-285750">
@@ -7995,8 +8035,9 @@
             </a:pPr>
             <a:r>
               <a:rPr lang="en-US" dirty="0"/>
-              <a:t>Switch to a more robust hosting so as to handle sufficient traffic. </a:t>
+              <a:t>Reach customers and businesses nationwide, through outreach channels</a:t>
             </a:r>
+            <a:endParaRPr lang="en-US" dirty="0"/>
           </a:p>
           <a:p>
             <a:pPr marL="285750" indent="-285750">
@@ -8006,7 +8047,19 @@
             </a:pPr>
             <a:r>
               <a:rPr lang="en-US" dirty="0"/>
-              <a:t>Extend the product to an App and Website for both the customers and the business owners. </a:t>
+              <a:t>Switch to a more robust hosting so as to handle sufficient traffic</a:t>
+            </a:r>
+            <a:endParaRPr lang="en-US" dirty="0"/>
+          </a:p>
+          <a:p>
+            <a:pPr marL="285750" indent="-285750">
+              <a:spcAft>
+                <a:spcPts val="1600"/>
+              </a:spcAft>
+            </a:pPr>
+            <a:r>
+              <a:rPr lang="en-US" dirty="0"/>
+              <a:t>Extend the product to an App and Website for both the customers and the business owners</a:t>
             </a:r>
             <a:endParaRPr dirty="0"/>
           </a:p>
@@ -8019,9 +8072,7 @@
           <p:nvPr/>
         </p:nvPicPr>
         <p:blipFill>
-          <a:blip r:embed="rId3">
-            <a:alphaModFix/>
-          </a:blip>
+          <a:blip r:embed="rId1"/>
           <a:stretch>
             <a:fillRect/>
           </a:stretch>
@@ -8047,9 +8098,7 @@
           <p:nvPr/>
         </p:nvPicPr>
         <p:blipFill>
-          <a:blip r:embed="rId4">
-            <a:alphaModFix/>
-          </a:blip>
+          <a:blip r:embed="rId2"/>
           <a:stretch>
             <a:fillRect/>
           </a:stretch>
@@ -8113,7 +8162,7 @@
         </p:nvSpPr>
         <p:spPr>
           <a:xfrm>
-            <a:off x="311700" y="1427444"/>
+            <a:off x="311700" y="1110579"/>
             <a:ext cx="8520600" cy="572700"/>
           </a:xfrm>
           <a:prstGeom prst="rect">
@@ -8129,7 +8178,7 @@
             <a:pPr lvl="0" algn="ctr"/>
             <a:r>
               <a:rPr lang="en-US" b="0" dirty="0"/>
-              <a:t>In the wake of COVID-19, how would stationery stores, electrical shops, restaurants, malls and hotels manage to pay their owners and employees during this ‘zero-business’ period? Wouldn’t these markets be in low supply post COVID-19?</a:t>
+              <a:t>In the wake of COVID-19, how would stationery stores, electrical shops, restaurants, laundromats, and salons manage to pay their owners and employees during this ‘zero-business’ period? Wouldn’t these markets be in low supply post COVID-19?</a:t>
             </a:r>
             <a:endParaRPr dirty="0"/>
           </a:p>
@@ -8142,9 +8191,7 @@
           <p:nvPr/>
         </p:nvPicPr>
         <p:blipFill>
-          <a:blip r:embed="rId3">
-            <a:alphaModFix/>
-          </a:blip>
+          <a:blip r:embed="rId1"/>
           <a:stretch>
             <a:fillRect/>
           </a:stretch>
@@ -8170,9 +8217,7 @@
           <p:nvPr/>
         </p:nvPicPr>
         <p:blipFill>
-          <a:blip r:embed="rId4">
-            <a:alphaModFix/>
-          </a:blip>
+          <a:blip r:embed="rId2"/>
           <a:stretch>
             <a:fillRect/>
           </a:stretch>
@@ -8259,19 +8304,19 @@
               <a:buNone/>
             </a:pPr>
             <a:r>
-              <a:rPr lang="en" dirty="0">
-                <a:latin typeface="Calibri"/>
-                <a:ea typeface="Calibri"/>
-                <a:cs typeface="Calibri"/>
-                <a:sym typeface="Calibri"/>
+              <a:rPr lang="en-GB" dirty="0">
+                <a:latin typeface="Calibri" panose="020F0502020204030204"/>
+                <a:ea typeface="Calibri" panose="020F0502020204030204"/>
+                <a:cs typeface="Calibri" panose="020F0502020204030204"/>
+                <a:sym typeface="Calibri" panose="020F0502020204030204"/>
               </a:rPr>
               <a:t>Problem/s you are solving</a:t>
             </a:r>
             <a:endParaRPr dirty="0">
-              <a:latin typeface="Calibri"/>
-              <a:ea typeface="Calibri"/>
-              <a:cs typeface="Calibri"/>
-              <a:sym typeface="Calibri"/>
+              <a:latin typeface="Calibri" panose="020F0502020204030204"/>
+              <a:ea typeface="Calibri" panose="020F0502020204030204"/>
+              <a:cs typeface="Calibri" panose="020F0502020204030204"/>
+              <a:sym typeface="Calibri" panose="020F0502020204030204"/>
             </a:endParaRPr>
           </a:p>
         </p:txBody>
@@ -8323,6 +8368,7 @@
               <a:rPr lang="en-US" sz="1600" dirty="0"/>
               <a:t>), retail, stationery, etc. and other service-based businesses - electricians, dhobi, plumbers, theatres, gyms, and the list goes on. These people with no current income source and minimal savings find it hard to afford basic necessities. Their businesses, after sustaining these hefty losses, might even shut down permanently. In a market with demand and supply issues, how do these even survive past the pandemic? </a:t>
             </a:r>
+            <a:endParaRPr lang="en-US" sz="1600" dirty="0"/>
           </a:p>
         </p:txBody>
       </p:sp>
@@ -8333,9 +8379,7 @@
           <p:nvPr/>
         </p:nvPicPr>
         <p:blipFill>
-          <a:blip r:embed="rId3">
-            <a:alphaModFix/>
-          </a:blip>
+          <a:blip r:embed="rId1"/>
           <a:stretch>
             <a:fillRect/>
           </a:stretch>
@@ -8361,9 +8405,7 @@
           <p:nvPr/>
         </p:nvPicPr>
         <p:blipFill>
-          <a:blip r:embed="rId4">
-            <a:alphaModFix/>
-          </a:blip>
+          <a:blip r:embed="rId2"/>
           <a:stretch>
             <a:fillRect/>
           </a:stretch>
@@ -8450,19 +8492,19 @@
               <a:buNone/>
             </a:pPr>
             <a:r>
-              <a:rPr lang="en" dirty="0">
-                <a:latin typeface="Calibri"/>
-                <a:ea typeface="Calibri"/>
-                <a:cs typeface="Calibri"/>
-                <a:sym typeface="Calibri"/>
+              <a:rPr lang="en-GB" dirty="0">
+                <a:latin typeface="Calibri" panose="020F0502020204030204"/>
+                <a:ea typeface="Calibri" panose="020F0502020204030204"/>
+                <a:cs typeface="Calibri" panose="020F0502020204030204"/>
+                <a:sym typeface="Calibri" panose="020F0502020204030204"/>
               </a:rPr>
               <a:t>Problem/s you are solving</a:t>
             </a:r>
             <a:endParaRPr dirty="0">
-              <a:latin typeface="Calibri"/>
-              <a:ea typeface="Calibri"/>
-              <a:cs typeface="Calibri"/>
-              <a:sym typeface="Calibri"/>
+              <a:latin typeface="Calibri" panose="020F0502020204030204"/>
+              <a:ea typeface="Calibri" panose="020F0502020204030204"/>
+              <a:cs typeface="Calibri" panose="020F0502020204030204"/>
+              <a:sym typeface="Calibri" panose="020F0502020204030204"/>
             </a:endParaRPr>
           </a:p>
         </p:txBody>
@@ -8520,9 +8562,7 @@
           <p:nvPr/>
         </p:nvPicPr>
         <p:blipFill>
-          <a:blip r:embed="rId3">
-            <a:alphaModFix/>
-          </a:blip>
+          <a:blip r:embed="rId1"/>
           <a:stretch>
             <a:fillRect/>
           </a:stretch>
@@ -8548,9 +8588,7 @@
           <p:nvPr/>
         </p:nvPicPr>
         <p:blipFill>
-          <a:blip r:embed="rId4">
-            <a:alphaModFix/>
-          </a:blip>
+          <a:blip r:embed="rId2"/>
           <a:stretch>
             <a:fillRect/>
           </a:stretch>
@@ -8570,11 +8608,6 @@
         </p:spPr>
       </p:pic>
     </p:spTree>
-    <p:extLst>
-      <p:ext uri="{BB962C8B-B14F-4D97-AF65-F5344CB8AC3E}">
-        <p14:creationId xmlns:p14="http://schemas.microsoft.com/office/powerpoint/2010/main" val="3804679541"/>
-      </p:ext>
-    </p:extLst>
   </p:cSld>
   <p:clrMapOvr>
     <a:masterClrMapping/>
@@ -8642,10 +8675,10 @@
               <a:buNone/>
             </a:pPr>
             <a:r>
-              <a:rPr lang="en"/>
+              <a:rPr lang="en-GB"/>
               <a:t>Solution</a:t>
             </a:r>
-            <a:endParaRPr/>
+            <a:endParaRPr lang="en-GB"/>
           </a:p>
         </p:txBody>
       </p:sp>
@@ -8656,9 +8689,7 @@
           <p:nvPr/>
         </p:nvPicPr>
         <p:blipFill>
-          <a:blip r:embed="rId3">
-            <a:alphaModFix/>
-          </a:blip>
+          <a:blip r:embed="rId1"/>
           <a:stretch>
             <a:fillRect/>
           </a:stretch>
@@ -8684,9 +8715,7 @@
           <p:nvPr/>
         </p:nvPicPr>
         <p:blipFill>
-          <a:blip r:embed="rId4">
-            <a:alphaModFix/>
-          </a:blip>
+          <a:blip r:embed="rId2"/>
           <a:stretch>
             <a:fillRect/>
           </a:stretch>
@@ -8707,20 +8736,14 @@
       </p:pic>
       <p:sp>
         <p:nvSpPr>
-          <p:cNvPr id="3" name="Rectangle 2">
-            <a:extLst>
-              <a:ext uri="{FF2B5EF4-FFF2-40B4-BE49-F238E27FC236}">
-                <a16:creationId xmlns:a16="http://schemas.microsoft.com/office/drawing/2014/main" id="{A8D38AF7-896A-47D0-BDA7-8A0C3F3777CC}"/>
-              </a:ext>
-            </a:extLst>
-          </p:cNvPr>
+          <p:cNvPr id="3" name="Rectangle 2"/>
           <p:cNvSpPr/>
           <p:nvPr/>
         </p:nvSpPr>
         <p:spPr>
           <a:xfrm>
             <a:off x="400754" y="1509775"/>
-            <a:ext cx="6959601" cy="3071610"/>
+            <a:ext cx="6959601" cy="3349625"/>
           </a:xfrm>
           <a:prstGeom prst="rect">
             <a:avLst/>
@@ -8740,7 +8763,7 @@
                 <a:schemeClr val="dk2"/>
               </a:buClr>
               <a:buSzPts val="1800"/>
-              <a:buFont typeface="Open Sans"/>
+              <a:buFont typeface="Open Sans" panose="020B0606030504020204"/>
               <a:buChar char="●"/>
             </a:pPr>
             <a:r>
@@ -8748,13 +8771,33 @@
                 <a:solidFill>
                   <a:schemeClr val="dk2"/>
                 </a:solidFill>
-                <a:latin typeface="Open Sans"/>
-                <a:ea typeface="Open Sans"/>
-                <a:cs typeface="Open Sans"/>
-                <a:sym typeface="Open Sans"/>
+                <a:latin typeface="Open Sans" panose="020B0606030504020204"/>
+                <a:ea typeface="Open Sans" panose="020B0606030504020204"/>
+                <a:cs typeface="Open Sans" panose="020B0606030504020204"/>
+                <a:sym typeface="Open Sans" panose="020B0606030504020204"/>
               </a:rPr>
               <a:t>DaanCorona is the solution to all these problems.  The Idea of DaanCorona is simple. It is a seamless online platform for buying coupons from India's largely undigitized small &amp; medium businesses.</a:t>
             </a:r>
+            <a:br>
+              <a:rPr lang="en-US" sz="1600" dirty="0">
+                <a:solidFill>
+                  <a:schemeClr val="dk2"/>
+                </a:solidFill>
+                <a:latin typeface="Open Sans" panose="020B0606030504020204"/>
+                <a:ea typeface="Open Sans" panose="020B0606030504020204"/>
+                <a:cs typeface="Open Sans" panose="020B0606030504020204"/>
+                <a:sym typeface="Open Sans" panose="020B0606030504020204"/>
+              </a:rPr>
+            </a:br>
+            <a:endParaRPr lang="en-US" sz="1600" dirty="0">
+              <a:solidFill>
+                <a:schemeClr val="dk2"/>
+              </a:solidFill>
+              <a:latin typeface="Open Sans" panose="020B0606030504020204"/>
+              <a:ea typeface="Open Sans" panose="020B0606030504020204"/>
+              <a:cs typeface="Open Sans" panose="020B0606030504020204"/>
+              <a:sym typeface="Open Sans" panose="020B0606030504020204"/>
+            </a:endParaRPr>
           </a:p>
           <a:p>
             <a:pPr marL="457200" indent="-342900">
@@ -8765,7 +8808,7 @@
                 <a:schemeClr val="dk2"/>
               </a:buClr>
               <a:buSzPts val="1800"/>
-              <a:buFont typeface="Open Sans"/>
+              <a:buFont typeface="Open Sans" panose="020B0606030504020204"/>
               <a:buChar char="●"/>
             </a:pPr>
             <a:r>
@@ -8773,13 +8816,33 @@
                 <a:solidFill>
                   <a:schemeClr val="dk2"/>
                 </a:solidFill>
-                <a:latin typeface="Open Sans"/>
-                <a:ea typeface="Open Sans"/>
-                <a:cs typeface="Open Sans"/>
-                <a:sym typeface="Open Sans"/>
+                <a:latin typeface="Open Sans" panose="020B0606030504020204"/>
+                <a:ea typeface="Open Sans" panose="020B0606030504020204"/>
+                <a:cs typeface="Open Sans" panose="020B0606030504020204"/>
+                <a:sym typeface="Open Sans" panose="020B0606030504020204"/>
               </a:rPr>
               <a:t> To help out these non-essential local businesses with liquid capital, consumers can buy a gift card now and redeem it later, when the circumstances have reasonably improved.</a:t>
             </a:r>
+            <a:br>
+              <a:rPr lang="en-US" sz="1600" dirty="0">
+                <a:solidFill>
+                  <a:schemeClr val="dk2"/>
+                </a:solidFill>
+                <a:latin typeface="Open Sans" panose="020B0606030504020204"/>
+                <a:ea typeface="Open Sans" panose="020B0606030504020204"/>
+                <a:cs typeface="Open Sans" panose="020B0606030504020204"/>
+                <a:sym typeface="Open Sans" panose="020B0606030504020204"/>
+              </a:rPr>
+            </a:br>
+            <a:endParaRPr lang="en-US" sz="1600" dirty="0">
+              <a:solidFill>
+                <a:schemeClr val="dk2"/>
+              </a:solidFill>
+              <a:latin typeface="Open Sans" panose="020B0606030504020204"/>
+              <a:ea typeface="Open Sans" panose="020B0606030504020204"/>
+              <a:cs typeface="Open Sans" panose="020B0606030504020204"/>
+              <a:sym typeface="Open Sans" panose="020B0606030504020204"/>
+            </a:endParaRPr>
           </a:p>
           <a:p>
             <a:pPr marL="457200" indent="-342900">
@@ -8790,7 +8853,7 @@
                 <a:schemeClr val="dk2"/>
               </a:buClr>
               <a:buSzPts val="1800"/>
-              <a:buFont typeface="Open Sans"/>
+              <a:buFont typeface="Open Sans" panose="020B0606030504020204"/>
               <a:buChar char="●"/>
             </a:pPr>
             <a:r>
@@ -8798,13 +8861,22 @@
                 <a:solidFill>
                   <a:schemeClr val="dk2"/>
                 </a:solidFill>
-                <a:latin typeface="Open Sans"/>
-                <a:ea typeface="Open Sans"/>
-                <a:cs typeface="Open Sans"/>
-                <a:sym typeface="Open Sans"/>
+                <a:latin typeface="Open Sans" panose="020B0606030504020204"/>
+                <a:ea typeface="Open Sans" panose="020B0606030504020204"/>
+                <a:cs typeface="Open Sans" panose="020B0606030504020204"/>
+                <a:sym typeface="Open Sans" panose="020B0606030504020204"/>
               </a:rPr>
               <a:t> Finally, a better alternative to donations! It’s not a donation. It’s an advanced payment.</a:t>
             </a:r>
+            <a:endParaRPr lang="en-US" sz="1600" dirty="0">
+              <a:solidFill>
+                <a:schemeClr val="dk2"/>
+              </a:solidFill>
+              <a:latin typeface="Open Sans" panose="020B0606030504020204"/>
+              <a:ea typeface="Open Sans" panose="020B0606030504020204"/>
+              <a:cs typeface="Open Sans" panose="020B0606030504020204"/>
+              <a:sym typeface="Open Sans" panose="020B0606030504020204"/>
+            </a:endParaRPr>
           </a:p>
           <a:p>
             <a:br>
@@ -8882,7 +8954,7 @@
               <a:buNone/>
             </a:pPr>
             <a:r>
-              <a:rPr lang="en" dirty="0"/>
+              <a:rPr lang="en-GB" dirty="0"/>
               <a:t>Solution</a:t>
             </a:r>
             <a:endParaRPr dirty="0"/>
@@ -8896,9 +8968,7 @@
           <p:nvPr/>
         </p:nvPicPr>
         <p:blipFill>
-          <a:blip r:embed="rId3">
-            <a:alphaModFix/>
-          </a:blip>
+          <a:blip r:embed="rId1"/>
           <a:stretch>
             <a:fillRect/>
           </a:stretch>
@@ -8924,9 +8994,7 @@
           <p:nvPr/>
         </p:nvPicPr>
         <p:blipFill>
-          <a:blip r:embed="rId4">
-            <a:alphaModFix/>
-          </a:blip>
+          <a:blip r:embed="rId2"/>
           <a:stretch>
             <a:fillRect/>
           </a:stretch>
@@ -8947,20 +9015,14 @@
       </p:pic>
       <p:pic>
         <p:nvPicPr>
-          <p:cNvPr id="6" name="Picture 2">
-            <a:extLst>
-              <a:ext uri="{FF2B5EF4-FFF2-40B4-BE49-F238E27FC236}">
-                <a16:creationId xmlns:a16="http://schemas.microsoft.com/office/drawing/2014/main" id="{E38AC78A-31C2-4CF5-B944-8D3D4E6B9349}"/>
-              </a:ext>
-            </a:extLst>
-          </p:cNvPr>
+          <p:cNvPr id="6" name="Picture 2"/>
           <p:cNvPicPr>
             <a:picLocks noChangeAspect="1" noChangeArrowheads="1"/>
           </p:cNvPicPr>
           <p:nvPr/>
         </p:nvPicPr>
         <p:blipFill>
-          <a:blip r:embed="rId5">
+          <a:blip r:embed="rId3">
             <a:extLst>
               <a:ext uri="{28A0092B-C50C-407E-A947-70E740481C1C}">
                 <a14:useLocalDpi xmlns:a14="http://schemas.microsoft.com/office/drawing/2010/main" val="0"/>
@@ -8994,20 +9056,14 @@
       </p:pic>
       <p:pic>
         <p:nvPicPr>
-          <p:cNvPr id="7" name="Picture 3">
-            <a:extLst>
-              <a:ext uri="{FF2B5EF4-FFF2-40B4-BE49-F238E27FC236}">
-                <a16:creationId xmlns:a16="http://schemas.microsoft.com/office/drawing/2014/main" id="{ED67EB0A-E632-4023-BF68-680DF992428B}"/>
-              </a:ext>
-            </a:extLst>
-          </p:cNvPr>
+          <p:cNvPr id="7" name="Picture 3"/>
           <p:cNvPicPr>
             <a:picLocks noChangeAspect="1" noChangeArrowheads="1"/>
           </p:cNvPicPr>
           <p:nvPr/>
         </p:nvPicPr>
         <p:blipFill>
-          <a:blip r:embed="rId6">
+          <a:blip r:embed="rId4">
             <a:extLst>
               <a:ext uri="{28A0092B-C50C-407E-A947-70E740481C1C}">
                 <a14:useLocalDpi xmlns:a14="http://schemas.microsoft.com/office/drawing/2010/main" val="0"/>
@@ -9041,13 +9097,7 @@
       </p:pic>
       <p:sp>
         <p:nvSpPr>
-          <p:cNvPr id="8" name="Rectangle 7">
-            <a:extLst>
-              <a:ext uri="{FF2B5EF4-FFF2-40B4-BE49-F238E27FC236}">
-                <a16:creationId xmlns:a16="http://schemas.microsoft.com/office/drawing/2014/main" id="{DAF88F92-748D-4540-A541-E14C9EAB845B}"/>
-              </a:ext>
-            </a:extLst>
-          </p:cNvPr>
+          <p:cNvPr id="8" name="Rectangle 7"/>
           <p:cNvSpPr/>
           <p:nvPr/>
         </p:nvSpPr>
@@ -9116,11 +9166,6 @@
         </p:txBody>
       </p:sp>
     </p:spTree>
-    <p:extLst>
-      <p:ext uri="{BB962C8B-B14F-4D97-AF65-F5344CB8AC3E}">
-        <p14:creationId xmlns:p14="http://schemas.microsoft.com/office/powerpoint/2010/main" val="4085525507"/>
-      </p:ext>
-    </p:extLst>
   </p:cSld>
   <p:clrMapOvr>
     <a:masterClrMapping/>
@@ -9188,7 +9233,7 @@
               <a:buNone/>
             </a:pPr>
             <a:r>
-              <a:rPr lang="en" dirty="0"/>
+              <a:rPr lang="en-GB" dirty="0"/>
               <a:t>Solution</a:t>
             </a:r>
             <a:endParaRPr dirty="0"/>
@@ -9202,9 +9247,7 @@
           <p:nvPr/>
         </p:nvPicPr>
         <p:blipFill>
-          <a:blip r:embed="rId3">
-            <a:alphaModFix/>
-          </a:blip>
+          <a:blip r:embed="rId1"/>
           <a:stretch>
             <a:fillRect/>
           </a:stretch>
@@ -9230,9 +9273,7 @@
           <p:nvPr/>
         </p:nvPicPr>
         <p:blipFill>
-          <a:blip r:embed="rId4">
-            <a:alphaModFix/>
-          </a:blip>
+          <a:blip r:embed="rId2"/>
           <a:stretch>
             <a:fillRect/>
           </a:stretch>
@@ -9253,13 +9294,7 @@
       </p:pic>
       <p:sp>
         <p:nvSpPr>
-          <p:cNvPr id="3" name="Rectangle 2">
-            <a:extLst>
-              <a:ext uri="{FF2B5EF4-FFF2-40B4-BE49-F238E27FC236}">
-                <a16:creationId xmlns:a16="http://schemas.microsoft.com/office/drawing/2014/main" id="{A8D38AF7-896A-47D0-BDA7-8A0C3F3777CC}"/>
-              </a:ext>
-            </a:extLst>
-          </p:cNvPr>
+          <p:cNvPr id="3" name="Rectangle 2"/>
           <p:cNvSpPr/>
           <p:nvPr/>
         </p:nvSpPr>
@@ -9292,9 +9327,9 @@
                 <a:solidFill>
                   <a:schemeClr val="dk2"/>
                 </a:solidFill>
-                <a:latin typeface="Open Sans"/>
-                <a:ea typeface="Open Sans"/>
-                <a:cs typeface="Open Sans"/>
+                <a:latin typeface="Open Sans" panose="020B0606030504020204"/>
+                <a:ea typeface="Open Sans" panose="020B0606030504020204"/>
+                <a:cs typeface="Open Sans" panose="020B0606030504020204"/>
               </a:rPr>
               <a:t>I. Backend REST API</a:t>
             </a:r>
@@ -9302,9 +9337,9 @@
               <a:solidFill>
                 <a:schemeClr val="dk2"/>
               </a:solidFill>
-              <a:latin typeface="Open Sans"/>
-              <a:ea typeface="Open Sans"/>
-              <a:cs typeface="Open Sans"/>
+              <a:latin typeface="Open Sans" panose="020B0606030504020204"/>
+              <a:ea typeface="Open Sans" panose="020B0606030504020204"/>
+              <a:cs typeface="Open Sans" panose="020B0606030504020204"/>
             </a:endParaRPr>
           </a:p>
           <a:p>
@@ -9316,7 +9351,7 @@
                 <a:schemeClr val="dk2"/>
               </a:buClr>
               <a:buSzPts val="1800"/>
-              <a:buFont typeface="Open Sans"/>
+              <a:buFont typeface="Open Sans" panose="020B0606030504020204"/>
               <a:buChar char="●"/>
             </a:pPr>
             <a:r>
@@ -9324,9 +9359,9 @@
                 <a:solidFill>
                   <a:schemeClr val="dk2"/>
                 </a:solidFill>
-                <a:latin typeface="Open Sans"/>
-                <a:ea typeface="Open Sans"/>
-                <a:cs typeface="Open Sans"/>
+                <a:latin typeface="Open Sans" panose="020B0606030504020204"/>
+                <a:ea typeface="Open Sans" panose="020B0606030504020204"/>
+                <a:cs typeface="Open Sans" panose="020B0606030504020204"/>
               </a:rPr>
               <a:t>The backend API is built using python's framework Django taking advantage of the Django Rest Framework. This </a:t>
             </a:r>
@@ -9335,9 +9370,9 @@
                 <a:solidFill>
                   <a:schemeClr val="dk2"/>
                 </a:solidFill>
-                <a:latin typeface="Open Sans"/>
-                <a:ea typeface="Open Sans"/>
-                <a:cs typeface="Open Sans"/>
+                <a:latin typeface="Open Sans" panose="020B0606030504020204"/>
+                <a:ea typeface="Open Sans" panose="020B0606030504020204"/>
+                <a:cs typeface="Open Sans" panose="020B0606030504020204"/>
               </a:rPr>
               <a:t>api</a:t>
             </a:r>
@@ -9346,9 +9381,9 @@
                 <a:solidFill>
                   <a:schemeClr val="dk2"/>
                 </a:solidFill>
-                <a:latin typeface="Open Sans"/>
-                <a:ea typeface="Open Sans"/>
-                <a:cs typeface="Open Sans"/>
+                <a:latin typeface="Open Sans" panose="020B0606030504020204"/>
+                <a:ea typeface="Open Sans" panose="020B0606030504020204"/>
+                <a:cs typeface="Open Sans" panose="020B0606030504020204"/>
               </a:rPr>
               <a:t> fetches data from a </a:t>
             </a:r>
@@ -9357,9 +9392,9 @@
                 <a:solidFill>
                   <a:schemeClr val="dk2"/>
                 </a:solidFill>
-                <a:latin typeface="Open Sans"/>
-                <a:ea typeface="Open Sans"/>
-                <a:cs typeface="Open Sans"/>
+                <a:latin typeface="Open Sans" panose="020B0606030504020204"/>
+                <a:ea typeface="Open Sans" panose="020B0606030504020204"/>
+                <a:cs typeface="Open Sans" panose="020B0606030504020204"/>
               </a:rPr>
               <a:t>sqlite</a:t>
             </a:r>
@@ -9368,12 +9403,20 @@
                 <a:solidFill>
                   <a:schemeClr val="dk2"/>
                 </a:solidFill>
-                <a:latin typeface="Open Sans"/>
-                <a:ea typeface="Open Sans"/>
-                <a:cs typeface="Open Sans"/>
+                <a:latin typeface="Open Sans" panose="020B0606030504020204"/>
+                <a:ea typeface="Open Sans" panose="020B0606030504020204"/>
+                <a:cs typeface="Open Sans" panose="020B0606030504020204"/>
               </a:rPr>
               <a:t> database.</a:t>
             </a:r>
+            <a:endParaRPr lang="en-US" sz="1600" dirty="0">
+              <a:solidFill>
+                <a:schemeClr val="dk2"/>
+              </a:solidFill>
+              <a:latin typeface="Open Sans" panose="020B0606030504020204"/>
+              <a:ea typeface="Open Sans" panose="020B0606030504020204"/>
+              <a:cs typeface="Open Sans" panose="020B0606030504020204"/>
+            </a:endParaRPr>
           </a:p>
           <a:p>
             <a:pPr marL="457200" indent="-342900">
@@ -9384,7 +9427,7 @@
                 <a:schemeClr val="dk2"/>
               </a:buClr>
               <a:buSzPts val="1800"/>
-              <a:buFont typeface="Open Sans"/>
+              <a:buFont typeface="Open Sans" panose="020B0606030504020204"/>
               <a:buChar char="●"/>
             </a:pPr>
             <a:r>
@@ -9392,9 +9435,9 @@
                 <a:solidFill>
                   <a:schemeClr val="dk2"/>
                 </a:solidFill>
-                <a:latin typeface="Open Sans"/>
-                <a:ea typeface="Open Sans"/>
-                <a:cs typeface="Open Sans"/>
+                <a:latin typeface="Open Sans" panose="020B0606030504020204"/>
+                <a:ea typeface="Open Sans" panose="020B0606030504020204"/>
+                <a:cs typeface="Open Sans" panose="020B0606030504020204"/>
               </a:rPr>
               <a:t>Both the Android App as well as the Website use endpoints from this </a:t>
             </a:r>
@@ -9403,9 +9446,9 @@
                 <a:solidFill>
                   <a:schemeClr val="dk2"/>
                 </a:solidFill>
-                <a:latin typeface="Open Sans"/>
-                <a:ea typeface="Open Sans"/>
-                <a:cs typeface="Open Sans"/>
+                <a:latin typeface="Open Sans" panose="020B0606030504020204"/>
+                <a:ea typeface="Open Sans" panose="020B0606030504020204"/>
+                <a:cs typeface="Open Sans" panose="020B0606030504020204"/>
               </a:rPr>
               <a:t>api</a:t>
             </a:r>
@@ -9414,12 +9457,20 @@
                 <a:solidFill>
                   <a:schemeClr val="dk2"/>
                 </a:solidFill>
-                <a:latin typeface="Open Sans"/>
-                <a:ea typeface="Open Sans"/>
-                <a:cs typeface="Open Sans"/>
+                <a:latin typeface="Open Sans" panose="020B0606030504020204"/>
+                <a:ea typeface="Open Sans" panose="020B0606030504020204"/>
+                <a:cs typeface="Open Sans" panose="020B0606030504020204"/>
               </a:rPr>
               <a:t> for all applications ranging from user authentication using JWT to database get/post requests.</a:t>
             </a:r>
+            <a:endParaRPr lang="en-US" sz="1600" dirty="0">
+              <a:solidFill>
+                <a:schemeClr val="dk2"/>
+              </a:solidFill>
+              <a:latin typeface="Open Sans" panose="020B0606030504020204"/>
+              <a:ea typeface="Open Sans" panose="020B0606030504020204"/>
+              <a:cs typeface="Open Sans" panose="020B0606030504020204"/>
+            </a:endParaRPr>
           </a:p>
           <a:p>
             <a:pPr marL="457200" indent="-342900">
@@ -9430,16 +9481,16 @@
                 <a:schemeClr val="dk2"/>
               </a:buClr>
               <a:buSzPts val="1800"/>
-              <a:buFont typeface="Open Sans"/>
+              <a:buFont typeface="Open Sans" panose="020B0606030504020204"/>
               <a:buChar char="●"/>
             </a:pPr>
             <a:endParaRPr lang="en-US" sz="1600" dirty="0">
               <a:solidFill>
                 <a:schemeClr val="dk2"/>
               </a:solidFill>
-              <a:latin typeface="Open Sans"/>
-              <a:ea typeface="Open Sans"/>
-              <a:cs typeface="Open Sans"/>
+              <a:latin typeface="Open Sans" panose="020B0606030504020204"/>
+              <a:ea typeface="Open Sans" panose="020B0606030504020204"/>
+              <a:cs typeface="Open Sans" panose="020B0606030504020204"/>
             </a:endParaRPr>
           </a:p>
           <a:p>
@@ -9457,9 +9508,9 @@
                 <a:solidFill>
                   <a:schemeClr val="dk2"/>
                 </a:solidFill>
-                <a:latin typeface="Open Sans"/>
-                <a:ea typeface="Open Sans"/>
-                <a:cs typeface="Open Sans"/>
+                <a:latin typeface="Open Sans" panose="020B0606030504020204"/>
+                <a:ea typeface="Open Sans" panose="020B0606030504020204"/>
+                <a:cs typeface="Open Sans" panose="020B0606030504020204"/>
               </a:rPr>
               <a:t>II. </a:t>
             </a:r>
@@ -9468,9 +9519,9 @@
                 <a:solidFill>
                   <a:schemeClr val="dk2"/>
                 </a:solidFill>
-                <a:latin typeface="Open Sans"/>
-                <a:ea typeface="Open Sans"/>
-                <a:cs typeface="Open Sans"/>
+                <a:latin typeface="Open Sans" panose="020B0606030504020204"/>
+                <a:ea typeface="Open Sans" panose="020B0606030504020204"/>
+                <a:cs typeface="Open Sans" panose="020B0606030504020204"/>
               </a:rPr>
               <a:t>Webapp</a:t>
             </a:r>
@@ -9479,12 +9530,20 @@
                 <a:solidFill>
                   <a:schemeClr val="dk2"/>
                 </a:solidFill>
-                <a:latin typeface="Open Sans"/>
-                <a:ea typeface="Open Sans"/>
-                <a:cs typeface="Open Sans"/>
+                <a:latin typeface="Open Sans" panose="020B0606030504020204"/>
+                <a:ea typeface="Open Sans" panose="020B0606030504020204"/>
+                <a:cs typeface="Open Sans" panose="020B0606030504020204"/>
               </a:rPr>
               <a:t> Frontend</a:t>
             </a:r>
+            <a:endParaRPr lang="en-US" sz="1800" b="1" dirty="0">
+              <a:solidFill>
+                <a:schemeClr val="dk2"/>
+              </a:solidFill>
+              <a:latin typeface="Open Sans" panose="020B0606030504020204"/>
+              <a:ea typeface="Open Sans" panose="020B0606030504020204"/>
+              <a:cs typeface="Open Sans" panose="020B0606030504020204"/>
+            </a:endParaRPr>
           </a:p>
           <a:p>
             <a:pPr marL="457200" indent="-342900">
@@ -9495,7 +9554,7 @@
                 <a:schemeClr val="dk2"/>
               </a:buClr>
               <a:buSzPts val="1800"/>
-              <a:buFont typeface="Open Sans"/>
+              <a:buFont typeface="Open Sans" panose="020B0606030504020204"/>
               <a:buChar char="●"/>
             </a:pPr>
             <a:r>
@@ -9503,12 +9562,20 @@
                 <a:solidFill>
                   <a:schemeClr val="dk2"/>
                 </a:solidFill>
-                <a:latin typeface="Open Sans"/>
-                <a:ea typeface="Open Sans"/>
-                <a:cs typeface="Open Sans"/>
+                <a:latin typeface="Open Sans" panose="020B0606030504020204"/>
+                <a:ea typeface="Open Sans" panose="020B0606030504020204"/>
+                <a:cs typeface="Open Sans" panose="020B0606030504020204"/>
               </a:rPr>
               <a:t>The website frontend is based on React.js framework, which enables real time functionality and is integrated with Django based backend. </a:t>
             </a:r>
+            <a:endParaRPr lang="en-US" sz="1600" dirty="0">
+              <a:solidFill>
+                <a:schemeClr val="dk2"/>
+              </a:solidFill>
+              <a:latin typeface="Open Sans" panose="020B0606030504020204"/>
+              <a:ea typeface="Open Sans" panose="020B0606030504020204"/>
+              <a:cs typeface="Open Sans" panose="020B0606030504020204"/>
+            </a:endParaRPr>
           </a:p>
           <a:p>
             <a:pPr marL="457200" indent="-342900">
@@ -9519,7 +9586,7 @@
                 <a:schemeClr val="dk2"/>
               </a:buClr>
               <a:buSzPts val="1800"/>
-              <a:buFont typeface="Open Sans"/>
+              <a:buFont typeface="Open Sans" panose="020B0606030504020204"/>
               <a:buChar char="●"/>
             </a:pPr>
             <a:r>
@@ -9527,9 +9594,9 @@
                 <a:solidFill>
                   <a:schemeClr val="dk2"/>
                 </a:solidFill>
-                <a:latin typeface="Open Sans"/>
-                <a:ea typeface="Open Sans"/>
-                <a:cs typeface="Open Sans"/>
+                <a:latin typeface="Open Sans" panose="020B0606030504020204"/>
+                <a:ea typeface="Open Sans" panose="020B0606030504020204"/>
+                <a:cs typeface="Open Sans" panose="020B0606030504020204"/>
               </a:rPr>
               <a:t>The website along with the backend API are temporarily hosted at </a:t>
             </a:r>
@@ -9538,16 +9605,10 @@
                 <a:solidFill>
                   <a:srgbClr val="0070C0"/>
                 </a:solidFill>
-                <a:latin typeface="Open Sans"/>
-                <a:ea typeface="Open Sans"/>
-                <a:cs typeface="Open Sans"/>
-                <a:hlinkClick r:id="rId5">
-                  <a:extLst>
-                    <a:ext uri="{A12FA001-AC4F-418D-AE19-62706E023703}">
-                      <ahyp:hlinkClr xmlns:ahyp="http://schemas.microsoft.com/office/drawing/2018/hyperlinkcolor" val="tx"/>
-                    </a:ext>
-                  </a:extLst>
-                </a:hlinkClick>
+                <a:latin typeface="Open Sans" panose="020B0606030504020204"/>
+                <a:ea typeface="Open Sans" panose="020B0606030504020204"/>
+                <a:cs typeface="Open Sans" panose="020B0606030504020204"/>
+                <a:hlinkClick r:id="rId3"/>
               </a:rPr>
               <a:t>http://daancorona.herokuapp.com</a:t>
             </a:r>
@@ -9556,12 +9617,20 @@
                 <a:solidFill>
                   <a:srgbClr val="0070C0"/>
                 </a:solidFill>
-                <a:latin typeface="Open Sans"/>
-                <a:ea typeface="Open Sans"/>
-                <a:cs typeface="Open Sans"/>
+                <a:latin typeface="Open Sans" panose="020B0606030504020204"/>
+                <a:ea typeface="Open Sans" panose="020B0606030504020204"/>
+                <a:cs typeface="Open Sans" panose="020B0606030504020204"/>
               </a:rPr>
               <a:t>.</a:t>
             </a:r>
+            <a:endParaRPr lang="en-US" sz="1600" b="1" i="1" dirty="0">
+              <a:solidFill>
+                <a:srgbClr val="0070C0"/>
+              </a:solidFill>
+              <a:latin typeface="Open Sans" panose="020B0606030504020204"/>
+              <a:ea typeface="Open Sans" panose="020B0606030504020204"/>
+              <a:cs typeface="Open Sans" panose="020B0606030504020204"/>
+            </a:endParaRPr>
           </a:p>
           <a:p>
             <a:br>
@@ -9572,11 +9641,6 @@
         </p:txBody>
       </p:sp>
     </p:spTree>
-    <p:extLst>
-      <p:ext uri="{BB962C8B-B14F-4D97-AF65-F5344CB8AC3E}">
-        <p14:creationId xmlns:p14="http://schemas.microsoft.com/office/powerpoint/2010/main" val="2368424094"/>
-      </p:ext>
-    </p:extLst>
   </p:cSld>
   <p:clrMapOvr>
     <a:masterClrMapping/>
@@ -9644,7 +9708,7 @@
               <a:buNone/>
             </a:pPr>
             <a:r>
-              <a:rPr lang="en" dirty="0"/>
+              <a:rPr lang="en-GB" dirty="0"/>
               <a:t>Solution</a:t>
             </a:r>
             <a:endParaRPr dirty="0"/>
@@ -9658,9 +9722,7 @@
           <p:nvPr/>
         </p:nvPicPr>
         <p:blipFill>
-          <a:blip r:embed="rId3">
-            <a:alphaModFix/>
-          </a:blip>
+          <a:blip r:embed="rId1"/>
           <a:stretch>
             <a:fillRect/>
           </a:stretch>
@@ -9686,9 +9748,7 @@
           <p:nvPr/>
         </p:nvPicPr>
         <p:blipFill>
-          <a:blip r:embed="rId4">
-            <a:alphaModFix/>
-          </a:blip>
+          <a:blip r:embed="rId2"/>
           <a:stretch>
             <a:fillRect/>
           </a:stretch>
@@ -9709,13 +9769,7 @@
       </p:pic>
       <p:sp>
         <p:nvSpPr>
-          <p:cNvPr id="3" name="Rectangle 2">
-            <a:extLst>
-              <a:ext uri="{FF2B5EF4-FFF2-40B4-BE49-F238E27FC236}">
-                <a16:creationId xmlns:a16="http://schemas.microsoft.com/office/drawing/2014/main" id="{A8D38AF7-896A-47D0-BDA7-8A0C3F3777CC}"/>
-              </a:ext>
-            </a:extLst>
-          </p:cNvPr>
+          <p:cNvPr id="3" name="Rectangle 2"/>
           <p:cNvSpPr/>
           <p:nvPr/>
         </p:nvSpPr>
@@ -9748,12 +9802,20 @@
                 <a:solidFill>
                   <a:schemeClr val="dk2"/>
                 </a:solidFill>
-                <a:latin typeface="Open Sans"/>
-                <a:ea typeface="Open Sans"/>
-                <a:cs typeface="Open Sans"/>
+                <a:latin typeface="Open Sans" panose="020B0606030504020204"/>
+                <a:ea typeface="Open Sans" panose="020B0606030504020204"/>
+                <a:cs typeface="Open Sans" panose="020B0606030504020204"/>
               </a:rPr>
               <a:t>III. Android app</a:t>
             </a:r>
+            <a:endParaRPr lang="en-US" sz="1800" b="1" dirty="0">
+              <a:solidFill>
+                <a:schemeClr val="dk2"/>
+              </a:solidFill>
+              <a:latin typeface="Open Sans" panose="020B0606030504020204"/>
+              <a:ea typeface="Open Sans" panose="020B0606030504020204"/>
+              <a:cs typeface="Open Sans" panose="020B0606030504020204"/>
+            </a:endParaRPr>
           </a:p>
           <a:p>
             <a:pPr marL="114300">
@@ -9769,9 +9831,9 @@
               <a:solidFill>
                 <a:schemeClr val="dk2"/>
               </a:solidFill>
-              <a:latin typeface="Open Sans"/>
-              <a:ea typeface="Open Sans"/>
-              <a:cs typeface="Open Sans"/>
+              <a:latin typeface="Open Sans" panose="020B0606030504020204"/>
+              <a:ea typeface="Open Sans" panose="020B0606030504020204"/>
+              <a:cs typeface="Open Sans" panose="020B0606030504020204"/>
             </a:endParaRPr>
           </a:p>
           <a:p>
@@ -9783,7 +9845,7 @@
                 <a:schemeClr val="dk2"/>
               </a:buClr>
               <a:buSzPts val="1800"/>
-              <a:buFont typeface="Open Sans"/>
+              <a:buFont typeface="Open Sans" panose="020B0606030504020204"/>
               <a:buChar char="●"/>
             </a:pPr>
             <a:r>
@@ -9791,12 +9853,20 @@
                 <a:solidFill>
                   <a:schemeClr val="dk2"/>
                 </a:solidFill>
-                <a:latin typeface="Open Sans"/>
-                <a:ea typeface="Open Sans"/>
-                <a:cs typeface="Open Sans"/>
+                <a:latin typeface="Open Sans" panose="020B0606030504020204"/>
+                <a:ea typeface="Open Sans" panose="020B0606030504020204"/>
+                <a:cs typeface="Open Sans" panose="020B0606030504020204"/>
               </a:rPr>
               <a:t>The mobile app is built using Android Studio, the official Integrated Development Environment for developing mobile apps for the Android Operating System. It uses Java as the programming language and XML as the markup language. </a:t>
             </a:r>
+            <a:endParaRPr lang="en-US" sz="1600" dirty="0">
+              <a:solidFill>
+                <a:schemeClr val="dk2"/>
+              </a:solidFill>
+              <a:latin typeface="Open Sans" panose="020B0606030504020204"/>
+              <a:ea typeface="Open Sans" panose="020B0606030504020204"/>
+              <a:cs typeface="Open Sans" panose="020B0606030504020204"/>
+            </a:endParaRPr>
           </a:p>
           <a:p>
             <a:pPr marL="457200" indent="-342900">
@@ -9807,7 +9877,7 @@
                 <a:schemeClr val="dk2"/>
               </a:buClr>
               <a:buSzPts val="1800"/>
-              <a:buFont typeface="Open Sans"/>
+              <a:buFont typeface="Open Sans" panose="020B0606030504020204"/>
               <a:buChar char="●"/>
             </a:pPr>
             <a:r>
@@ -9815,12 +9885,20 @@
                 <a:solidFill>
                   <a:schemeClr val="dk2"/>
                 </a:solidFill>
-                <a:latin typeface="Open Sans"/>
-                <a:ea typeface="Open Sans"/>
-                <a:cs typeface="Open Sans"/>
+                <a:latin typeface="Open Sans" panose="020B0606030504020204"/>
+                <a:ea typeface="Open Sans" panose="020B0606030504020204"/>
+                <a:cs typeface="Open Sans" panose="020B0606030504020204"/>
               </a:rPr>
               <a:t>The app utilizes Google Maps API and several other libraries for an enhanced user interface. </a:t>
             </a:r>
+            <a:endParaRPr lang="en-US" sz="1600" dirty="0">
+              <a:solidFill>
+                <a:schemeClr val="dk2"/>
+              </a:solidFill>
+              <a:latin typeface="Open Sans" panose="020B0606030504020204"/>
+              <a:ea typeface="Open Sans" panose="020B0606030504020204"/>
+              <a:cs typeface="Open Sans" panose="020B0606030504020204"/>
+            </a:endParaRPr>
           </a:p>
           <a:p>
             <a:pPr marL="457200" indent="-342900">
@@ -9831,7 +9909,7 @@
                 <a:schemeClr val="dk2"/>
               </a:buClr>
               <a:buSzPts val="1800"/>
-              <a:buFont typeface="Open Sans"/>
+              <a:buFont typeface="Open Sans" panose="020B0606030504020204"/>
               <a:buChar char="●"/>
             </a:pPr>
             <a:r>
@@ -9839,9 +9917,9 @@
                 <a:solidFill>
                   <a:schemeClr val="dk2"/>
                 </a:solidFill>
-                <a:latin typeface="Open Sans"/>
-                <a:ea typeface="Open Sans"/>
-                <a:cs typeface="Open Sans"/>
+                <a:latin typeface="Open Sans" panose="020B0606030504020204"/>
+                <a:ea typeface="Open Sans" panose="020B0606030504020204"/>
+                <a:cs typeface="Open Sans" panose="020B0606030504020204"/>
               </a:rPr>
               <a:t>The android app can be downloaded from </a:t>
             </a:r>
@@ -9850,16 +9928,10 @@
                 <a:solidFill>
                   <a:srgbClr val="0070C0"/>
                 </a:solidFill>
-                <a:latin typeface="Open Sans"/>
-                <a:ea typeface="Open Sans"/>
-                <a:cs typeface="Open Sans"/>
-                <a:hlinkClick r:id="rId5">
-                  <a:extLst>
-                    <a:ext uri="{A12FA001-AC4F-418D-AE19-62706E023703}">
-                      <ahyp:hlinkClr xmlns:ahyp="http://schemas.microsoft.com/office/drawing/2018/hyperlinkcolor" val="tx"/>
-                    </a:ext>
-                  </a:extLst>
-                </a:hlinkClick>
+                <a:latin typeface="Open Sans" panose="020B0606030504020204"/>
+                <a:ea typeface="Open Sans" panose="020B0606030504020204"/>
+                <a:cs typeface="Open Sans" panose="020B0606030504020204"/>
+                <a:hlinkClick r:id="rId3"/>
               </a:rPr>
               <a:t>https://drive.google.com/file/d/1nzdGZ49lWjrKlN22euUYufqrzGbEJ7b1/view</a:t>
             </a:r>
@@ -9867,9 +9939,9 @@
               <a:solidFill>
                 <a:srgbClr val="0070C0"/>
               </a:solidFill>
-              <a:latin typeface="Open Sans"/>
-              <a:ea typeface="Open Sans"/>
-              <a:cs typeface="Open Sans"/>
+              <a:latin typeface="Open Sans" panose="020B0606030504020204"/>
+              <a:ea typeface="Open Sans" panose="020B0606030504020204"/>
+              <a:cs typeface="Open Sans" panose="020B0606030504020204"/>
             </a:endParaRPr>
           </a:p>
           <a:p>
@@ -9881,11 +9953,6 @@
         </p:txBody>
       </p:sp>
     </p:spTree>
-    <p:extLst>
-      <p:ext uri="{BB962C8B-B14F-4D97-AF65-F5344CB8AC3E}">
-        <p14:creationId xmlns:p14="http://schemas.microsoft.com/office/powerpoint/2010/main" val="3564269058"/>
-      </p:ext>
-    </p:extLst>
   </p:cSld>
   <p:clrMapOvr>
     <a:masterClrMapping/>
@@ -9953,10 +10020,10 @@
               <a:buNone/>
             </a:pPr>
             <a:r>
-              <a:rPr lang="en"/>
+              <a:rPr lang="en-GB"/>
               <a:t>Solution</a:t>
             </a:r>
-            <a:endParaRPr/>
+            <a:endParaRPr lang="en-GB"/>
           </a:p>
         </p:txBody>
       </p:sp>
@@ -9967,9 +10034,7 @@
           <p:nvPr/>
         </p:nvPicPr>
         <p:blipFill>
-          <a:blip r:embed="rId3">
-            <a:alphaModFix/>
-          </a:blip>
+          <a:blip r:embed="rId1"/>
           <a:stretch>
             <a:fillRect/>
           </a:stretch>
@@ -9995,9 +10060,7 @@
           <p:nvPr/>
         </p:nvPicPr>
         <p:blipFill>
-          <a:blip r:embed="rId4">
-            <a:alphaModFix/>
-          </a:blip>
+          <a:blip r:embed="rId2"/>
           <a:stretch>
             <a:fillRect/>
           </a:stretch>
@@ -10018,20 +10081,14 @@
       </p:pic>
       <p:sp>
         <p:nvSpPr>
-          <p:cNvPr id="3" name="Rectangle 2">
-            <a:extLst>
-              <a:ext uri="{FF2B5EF4-FFF2-40B4-BE49-F238E27FC236}">
-                <a16:creationId xmlns:a16="http://schemas.microsoft.com/office/drawing/2014/main" id="{A8D38AF7-896A-47D0-BDA7-8A0C3F3777CC}"/>
-              </a:ext>
-            </a:extLst>
-          </p:cNvPr>
+          <p:cNvPr id="3" name="Rectangle 2"/>
           <p:cNvSpPr/>
           <p:nvPr/>
         </p:nvSpPr>
         <p:spPr>
           <a:xfrm>
             <a:off x="366888" y="1746841"/>
-            <a:ext cx="6959601" cy="2294924"/>
+            <a:ext cx="6959601" cy="2589530"/>
           </a:xfrm>
           <a:prstGeom prst="rect">
             <a:avLst/>
@@ -10045,16 +10102,55 @@
           <a:p>
             <a:r>
               <a:rPr lang="en-US" sz="1800" b="1" dirty="0">
-                <a:latin typeface="Open Sans" panose="020B0604020202020204" charset="0"/>
-                <a:ea typeface="Open Sans" panose="020B0604020202020204" charset="0"/>
-                <a:cs typeface="Open Sans" panose="020B0604020202020204" charset="0"/>
+                <a:latin typeface="Open Sans" panose="020B0606030504020204" charset="0"/>
+                <a:ea typeface="Open Sans" panose="020B0606030504020204" charset="0"/>
+                <a:cs typeface="Open Sans" panose="020B0606030504020204" charset="0"/>
               </a:rPr>
-              <a:t>Who is our target audience (Business Sectors)?</a:t>
+              <a:t>Who is our target audience?</a:t>
             </a:r>
+            <a:br>
+              <a:rPr lang="en-US" sz="1800" b="1" dirty="0">
+                <a:latin typeface="Open Sans" panose="020B0606030504020204" charset="0"/>
+                <a:ea typeface="Open Sans" panose="020B0606030504020204" charset="0"/>
+                <a:cs typeface="Open Sans" panose="020B0606030504020204" charset="0"/>
+              </a:rPr>
+            </a:br>
             <a:endParaRPr lang="en-US" sz="1800" dirty="0">
-              <a:latin typeface="Open Sans" panose="020B0604020202020204" charset="0"/>
-              <a:ea typeface="Open Sans" panose="020B0604020202020204" charset="0"/>
-              <a:cs typeface="Open Sans" panose="020B0604020202020204" charset="0"/>
+              <a:latin typeface="Open Sans" panose="020B0606030504020204" charset="0"/>
+              <a:ea typeface="Open Sans" panose="020B0606030504020204" charset="0"/>
+              <a:cs typeface="Open Sans" panose="020B0606030504020204" charset="0"/>
+            </a:endParaRPr>
+          </a:p>
+          <a:p>
+            <a:pPr marL="114300" indent="0" fontAlgn="base">
+              <a:lnSpc>
+                <a:spcPct val="115000"/>
+              </a:lnSpc>
+              <a:buClr>
+                <a:schemeClr val="dk2"/>
+              </a:buClr>
+              <a:buSzPts val="1800"/>
+              <a:buFont typeface="Open Sans" panose="020B0606030504020204"/>
+              <a:buNone/>
+            </a:pPr>
+            <a:r>
+              <a:rPr lang="en-US" sz="1600" dirty="0">
+                <a:solidFill>
+                  <a:schemeClr val="dk2"/>
+                </a:solidFill>
+                <a:latin typeface="Open Sans" panose="020B0606030504020204"/>
+                <a:ea typeface="Open Sans" panose="020B0606030504020204"/>
+                <a:cs typeface="Open Sans" panose="020B0606030504020204"/>
+              </a:rPr>
+              <a:t>It is non-essential services and retailers</a:t>
+            </a:r>
+            <a:endParaRPr lang="en-US" sz="1600" dirty="0">
+              <a:solidFill>
+                <a:schemeClr val="dk2"/>
+              </a:solidFill>
+              <a:latin typeface="Open Sans" panose="020B0606030504020204"/>
+              <a:ea typeface="Open Sans" panose="020B0606030504020204"/>
+              <a:cs typeface="Open Sans" panose="020B0606030504020204"/>
             </a:endParaRPr>
           </a:p>
           <a:p>
@@ -10066,16 +10162,27 @@
                 <a:schemeClr val="dk2"/>
               </a:buClr>
               <a:buSzPts val="1800"/>
-              <a:buFont typeface="Open Sans"/>
+              <a:buFont typeface="Open Sans" panose="020B0606030504020204"/>
               <a:buChar char="●"/>
             </a:pPr>
+            <a:r>
+              <a:rPr lang="en-US" sz="1600" dirty="0">
+                <a:solidFill>
+                  <a:schemeClr val="dk2"/>
+                </a:solidFill>
+                <a:latin typeface="Open Sans" panose="020B0606030504020204"/>
+                <a:ea typeface="Open Sans" panose="020B0606030504020204"/>
+                <a:cs typeface="Open Sans" panose="020B0606030504020204"/>
+              </a:rPr>
+              <a:t>Non-Grocery Stores</a:t>
+            </a:r>
             <a:endParaRPr lang="en-US" sz="1600" dirty="0">
               <a:solidFill>
                 <a:schemeClr val="dk2"/>
               </a:solidFill>
-              <a:latin typeface="Open Sans"/>
-              <a:ea typeface="Open Sans"/>
-              <a:cs typeface="Open Sans"/>
+              <a:latin typeface="Open Sans" panose="020B0606030504020204"/>
+              <a:ea typeface="Open Sans" panose="020B0606030504020204"/>
+              <a:cs typeface="Open Sans" panose="020B0606030504020204"/>
             </a:endParaRPr>
           </a:p>
           <a:p>
@@ -10087,7 +10194,7 @@
                 <a:schemeClr val="dk2"/>
               </a:buClr>
               <a:buSzPts val="1800"/>
-              <a:buFont typeface="Open Sans"/>
+              <a:buFont typeface="Open Sans" panose="020B0606030504020204"/>
               <a:buChar char="●"/>
             </a:pPr>
             <a:r>
@@ -10095,12 +10202,20 @@
                 <a:solidFill>
                   <a:schemeClr val="dk2"/>
                 </a:solidFill>
-                <a:latin typeface="Open Sans"/>
-                <a:ea typeface="Open Sans"/>
-                <a:cs typeface="Open Sans"/>
+                <a:latin typeface="Open Sans" panose="020B0606030504020204"/>
+                <a:ea typeface="Open Sans" panose="020B0606030504020204"/>
+                <a:cs typeface="Open Sans" panose="020B0606030504020204"/>
               </a:rPr>
-              <a:t>Non-Grocery Stores</a:t>
+              <a:t>Hotels</a:t>
             </a:r>
+            <a:endParaRPr lang="en-US" sz="1600" dirty="0">
+              <a:solidFill>
+                <a:schemeClr val="dk2"/>
+              </a:solidFill>
+              <a:latin typeface="Open Sans" panose="020B0606030504020204"/>
+              <a:ea typeface="Open Sans" panose="020B0606030504020204"/>
+              <a:cs typeface="Open Sans" panose="020B0606030504020204"/>
+            </a:endParaRPr>
           </a:p>
           <a:p>
             <a:pPr marL="457200" indent="-342900" fontAlgn="base">
@@ -10111,7 +10226,7 @@
                 <a:schemeClr val="dk2"/>
               </a:buClr>
               <a:buSzPts val="1800"/>
-              <a:buFont typeface="Open Sans"/>
+              <a:buFont typeface="Open Sans" panose="020B0606030504020204"/>
               <a:buChar char="●"/>
             </a:pPr>
             <a:r>
@@ -10119,12 +10234,20 @@
                 <a:solidFill>
                   <a:schemeClr val="dk2"/>
                 </a:solidFill>
-                <a:latin typeface="Open Sans"/>
-                <a:ea typeface="Open Sans"/>
-                <a:cs typeface="Open Sans"/>
+                <a:latin typeface="Open Sans" panose="020B0606030504020204"/>
+                <a:ea typeface="Open Sans" panose="020B0606030504020204"/>
+                <a:cs typeface="Open Sans" panose="020B0606030504020204"/>
               </a:rPr>
-              <a:t>Hotels</a:t>
+              <a:t>Restaurants</a:t>
             </a:r>
+            <a:endParaRPr lang="en-US" sz="1600" dirty="0">
+              <a:solidFill>
+                <a:schemeClr val="dk2"/>
+              </a:solidFill>
+              <a:latin typeface="Open Sans" panose="020B0606030504020204"/>
+              <a:ea typeface="Open Sans" panose="020B0606030504020204"/>
+              <a:cs typeface="Open Sans" panose="020B0606030504020204"/>
+            </a:endParaRPr>
           </a:p>
           <a:p>
             <a:pPr marL="457200" indent="-342900" fontAlgn="base">
@@ -10135,7 +10258,7 @@
                 <a:schemeClr val="dk2"/>
               </a:buClr>
               <a:buSzPts val="1800"/>
-              <a:buFont typeface="Open Sans"/>
+              <a:buFont typeface="Open Sans" panose="020B0606030504020204"/>
               <a:buChar char="●"/>
             </a:pPr>
             <a:r>
@@ -10143,12 +10266,20 @@
                 <a:solidFill>
                   <a:schemeClr val="dk2"/>
                 </a:solidFill>
-                <a:latin typeface="Open Sans"/>
-                <a:ea typeface="Open Sans"/>
-                <a:cs typeface="Open Sans"/>
+                <a:latin typeface="Open Sans" panose="020B0606030504020204"/>
+                <a:ea typeface="Open Sans" panose="020B0606030504020204"/>
+                <a:cs typeface="Open Sans" panose="020B0606030504020204"/>
               </a:rPr>
-              <a:t>Restaurants</a:t>
+              <a:t>Gyms</a:t>
             </a:r>
+            <a:endParaRPr lang="en-US" sz="1600" dirty="0">
+              <a:solidFill>
+                <a:schemeClr val="dk2"/>
+              </a:solidFill>
+              <a:latin typeface="Open Sans" panose="020B0606030504020204"/>
+              <a:ea typeface="Open Sans" panose="020B0606030504020204"/>
+              <a:cs typeface="Open Sans" panose="020B0606030504020204"/>
+            </a:endParaRPr>
           </a:p>
           <a:p>
             <a:pPr marL="457200" indent="-342900" fontAlgn="base">
@@ -10159,7 +10290,7 @@
                 <a:schemeClr val="dk2"/>
               </a:buClr>
               <a:buSzPts val="1800"/>
-              <a:buFont typeface="Open Sans"/>
+              <a:buFont typeface="Open Sans" panose="020B0606030504020204"/>
               <a:buChar char="●"/>
             </a:pPr>
             <a:r>
@@ -10167,33 +10298,9 @@
                 <a:solidFill>
                   <a:schemeClr val="dk2"/>
                 </a:solidFill>
-                <a:latin typeface="Open Sans"/>
-                <a:ea typeface="Open Sans"/>
-                <a:cs typeface="Open Sans"/>
-              </a:rPr>
-              <a:t>Gyms</a:t>
-            </a:r>
-          </a:p>
-          <a:p>
-            <a:pPr marL="457200" indent="-342900" fontAlgn="base">
-              <a:lnSpc>
-                <a:spcPct val="115000"/>
-              </a:lnSpc>
-              <a:buClr>
-                <a:schemeClr val="dk2"/>
-              </a:buClr>
-              <a:buSzPts val="1800"/>
-              <a:buFont typeface="Open Sans"/>
-              <a:buChar char="●"/>
-            </a:pPr>
-            <a:r>
-              <a:rPr lang="en-US" sz="1600" dirty="0">
-                <a:solidFill>
-                  <a:schemeClr val="dk2"/>
-                </a:solidFill>
-                <a:latin typeface="Open Sans"/>
-                <a:ea typeface="Open Sans"/>
-                <a:cs typeface="Open Sans"/>
+                <a:latin typeface="Open Sans" panose="020B0606030504020204"/>
+                <a:ea typeface="Open Sans" panose="020B0606030504020204"/>
+                <a:cs typeface="Open Sans" panose="020B0606030504020204"/>
               </a:rPr>
               <a:t>Malls</a:t>
             </a:r>
@@ -10205,11 +10312,6 @@
         </p:txBody>
       </p:sp>
     </p:spTree>
-    <p:extLst>
-      <p:ext uri="{BB962C8B-B14F-4D97-AF65-F5344CB8AC3E}">
-        <p14:creationId xmlns:p14="http://schemas.microsoft.com/office/powerpoint/2010/main" val="976572968"/>
-      </p:ext>
-    </p:extLst>
   </p:cSld>
   <p:clrMapOvr>
     <a:masterClrMapping/>
@@ -10493,8 +10595,11 @@
       </a:bgFillStyleLst>
     </a:fmtScheme>
   </a:themeElements>
-  <a:objectDefaults/>
-  <a:extraClrSchemeLst/>
+  <a:extLst>
+    <a:ext uri="{05A4C25C-085E-4340-85A3-A5531E510DB2}">
+      <thm15:themeFamily xmlns:thm15="http://schemas.microsoft.com/office/thememl/2012/main" name="Office Theme" id="{62F939B6-93AF-4DB8-9C6B-D6C7DFDC589F}" vid="{4A3C46E8-61CC-4603-A589-7422A47A8E4A}"/>
+    </a:ext>
+  </a:extLst>
 </a:theme>
 </file>
 
@@ -10774,7 +10879,10 @@
       </a:bgFillStyleLst>
     </a:fmtScheme>
   </a:themeElements>
-  <a:objectDefaults/>
-  <a:extraClrSchemeLst/>
+  <a:extLst>
+    <a:ext uri="{05A4C25C-085E-4340-85A3-A5531E510DB2}">
+      <thm15:themeFamily xmlns:thm15="http://schemas.microsoft.com/office/thememl/2012/main" name="Office Theme" id="{62F939B6-93AF-4DB8-9C6B-D6C7DFDC589F}" vid="{4A3C46E8-61CC-4603-A589-7422A47A8E4A}"/>
+    </a:ext>
+  </a:extLst>
 </a:theme>
 </file>